--- a/Presentación David-P2.pptx
+++ b/Presentación David-P2.pptx
@@ -5,7 +5,7 @@
     <p:sldMasterId id="2147483696" r:id="rId1"/>
   </p:sldMasterIdLst>
   <p:notesMasterIdLst>
-    <p:notesMasterId r:id="rId30"/>
+    <p:notesMasterId r:id="rId25"/>
   </p:notesMasterIdLst>
   <p:sldIdLst>
     <p:sldId id="256" r:id="rId2"/>
@@ -23,19 +23,14 @@
     <p:sldId id="349" r:id="rId14"/>
     <p:sldId id="350" r:id="rId15"/>
     <p:sldId id="304" r:id="rId16"/>
-    <p:sldId id="313" r:id="rId17"/>
-    <p:sldId id="352" r:id="rId18"/>
-    <p:sldId id="353" r:id="rId19"/>
-    <p:sldId id="341" r:id="rId20"/>
-    <p:sldId id="354" r:id="rId21"/>
-    <p:sldId id="355" r:id="rId22"/>
-    <p:sldId id="342" r:id="rId23"/>
-    <p:sldId id="356" r:id="rId24"/>
-    <p:sldId id="357" r:id="rId25"/>
-    <p:sldId id="358" r:id="rId26"/>
-    <p:sldId id="308" r:id="rId27"/>
-    <p:sldId id="328" r:id="rId28"/>
-    <p:sldId id="329" r:id="rId29"/>
+    <p:sldId id="352" r:id="rId17"/>
+    <p:sldId id="353" r:id="rId18"/>
+    <p:sldId id="354" r:id="rId19"/>
+    <p:sldId id="355" r:id="rId20"/>
+    <p:sldId id="342" r:id="rId21"/>
+    <p:sldId id="356" r:id="rId22"/>
+    <p:sldId id="357" r:id="rId23"/>
+    <p:sldId id="329" r:id="rId24"/>
   </p:sldIdLst>
   <p:sldSz cx="9144000" cy="6858000" type="screen4x3"/>
   <p:notesSz cx="6858000" cy="9144000"/>
@@ -1688,7 +1683,7 @@
           <a:p>
             <a:fld id="{971779AA-6D85-415B-8B6B-BBB153970C28}" type="slidenum">
               <a:rPr lang="es-ES" smtClean="0"/>
-              <a:t>17</a:t>
+              <a:t>16</a:t>
             </a:fld>
             <a:endParaRPr lang="es-ES"/>
           </a:p>
@@ -1831,7 +1826,7 @@
           <a:p>
             <a:fld id="{971779AA-6D85-415B-8B6B-BBB153970C28}" type="slidenum">
               <a:rPr lang="es-ES" smtClean="0"/>
-              <a:t>18</a:t>
+              <a:t>17</a:t>
             </a:fld>
             <a:endParaRPr lang="es-ES"/>
           </a:p>
@@ -8249,19 +8244,142 @@
           </a:bodyPr>
           <a:lstStyle/>
           <a:p>
-            <a:pPr marL="82296" indent="0" algn="just">
+            <a:pPr algn="just"/>
+            <a:r>
+              <a:rPr lang="es-ES" dirty="0"/>
+              <a:t>Comprobar VTX en la </a:t>
+            </a:r>
+            <a:r>
+              <a:rPr lang="es-ES" dirty="0" err="1"/>
+              <a:t>bios</a:t>
+            </a:r>
+            <a:endParaRPr lang="es-ES" dirty="0"/>
+          </a:p>
+          <a:p>
+            <a:pPr marL="82296" indent="0" algn="r">
               <a:buNone/>
             </a:pPr>
             <a:r>
+              <a:rPr lang="es-ES" i="1" dirty="0" err="1"/>
+              <a:t>cat</a:t>
+            </a:r>
+            <a:r>
+              <a:rPr lang="es-ES" i="1" dirty="0"/>
+              <a:t> /</a:t>
+            </a:r>
+            <a:r>
+              <a:rPr lang="es-ES" i="1" dirty="0" err="1"/>
+              <a:t>proc</a:t>
+            </a:r>
+            <a:r>
+              <a:rPr lang="es-ES" i="1" dirty="0"/>
+              <a:t>/</a:t>
+            </a:r>
+            <a:r>
+              <a:rPr lang="es-ES" i="1" dirty="0" err="1"/>
+              <a:t>cpuinfo</a:t>
+            </a:r>
+            <a:r>
+              <a:rPr lang="es-ES" i="1" dirty="0"/>
+              <a:t>| grep </a:t>
+            </a:r>
+            <a:r>
+              <a:rPr lang="es-ES" i="1" dirty="0" err="1"/>
+              <a:t>vmx</a:t>
+            </a:r>
+            <a:endParaRPr lang="es-ES" i="1" dirty="0"/>
+          </a:p>
+          <a:p>
+            <a:pPr algn="just"/>
+            <a:r>
               <a:rPr lang="es-ES" dirty="0"/>
-              <a:t>.</a:t>
-            </a:r>
-          </a:p>
-          <a:p>
-            <a:pPr marL="82296" indent="0" algn="just">
+              <a:t>Instalar </a:t>
+            </a:r>
+            <a:r>
+              <a:rPr lang="es-ES" dirty="0" err="1"/>
+              <a:t>Xen</a:t>
+            </a:r>
+            <a:r>
+              <a:rPr lang="es-ES" dirty="0"/>
+              <a:t> versión 4.1</a:t>
+            </a:r>
+          </a:p>
+          <a:p>
+            <a:pPr marL="82296" indent="0" algn="r">
               <a:buNone/>
             </a:pPr>
-            <a:endParaRPr lang="es-ES" dirty="0"/>
+            <a:r>
+              <a:rPr lang="es-ES" i="1" dirty="0" err="1"/>
+              <a:t>apt-get</a:t>
+            </a:r>
+            <a:r>
+              <a:rPr lang="es-ES" i="1" dirty="0"/>
+              <a:t> </a:t>
+            </a:r>
+            <a:r>
+              <a:rPr lang="es-ES" i="1" dirty="0" err="1"/>
+              <a:t>install</a:t>
+            </a:r>
+            <a:r>
+              <a:rPr lang="es-ES" i="1" dirty="0"/>
+              <a:t> xen-hypervisor-4.1-amd64</a:t>
+            </a:r>
+          </a:p>
+          <a:p>
+            <a:pPr algn="just"/>
+            <a:r>
+              <a:rPr lang="es-ES" dirty="0"/>
+              <a:t>Comprobar GRUB y actualizar</a:t>
+            </a:r>
+          </a:p>
+          <a:p>
+            <a:pPr marL="82296" indent="0" algn="r">
+              <a:buNone/>
+            </a:pPr>
+            <a:r>
+              <a:rPr lang="es-ES" i="1" dirty="0" err="1"/>
+              <a:t>update-grub</a:t>
+            </a:r>
+            <a:endParaRPr lang="es-ES" i="1" dirty="0"/>
+          </a:p>
+          <a:p>
+            <a:r>
+              <a:rPr lang="es-ES" dirty="0"/>
+              <a:t>Configurar arranque de Dom-0</a:t>
+            </a:r>
+          </a:p>
+          <a:p>
+            <a:pPr marL="82296" indent="0" algn="r">
+              <a:buNone/>
+            </a:pPr>
+            <a:r>
+              <a:rPr lang="es-ES" sz="1400" dirty="0"/>
+              <a:t>GRUB_CMDLINE_XEN_DEFAULT="dom0_mem=1024M,max:2048M dom0_max_vcpus=1“</a:t>
+            </a:r>
+          </a:p>
+          <a:p>
+            <a:r>
+              <a:rPr lang="es-ES" dirty="0"/>
+              <a:t>Comprobar si hay errores</a:t>
+            </a:r>
+          </a:p>
+          <a:p>
+            <a:pPr marL="82296" indent="0" algn="r">
+              <a:buNone/>
+            </a:pPr>
+            <a:r>
+              <a:rPr lang="es-ES" i="1" dirty="0" err="1"/>
+              <a:t>dmesg</a:t>
+            </a:r>
+            <a:r>
+              <a:rPr lang="es-ES" i="1" dirty="0"/>
+              <a:t> | grep </a:t>
+            </a:r>
+            <a:r>
+              <a:rPr lang="es-ES" i="1" dirty="0" err="1"/>
+              <a:t>Xen</a:t>
+            </a:r>
+            <a:endParaRPr lang="es-ES" sz="1400" i="1" dirty="0"/>
           </a:p>
         </p:txBody>
       </p:sp>
@@ -8274,7 +8392,7 @@
         <p:spPr>
           <a:xfrm>
             <a:off x="2286000" y="2321005"/>
-            <a:ext cx="4572000" cy="2215991"/>
+            <a:ext cx="4572000" cy="369332"/>
           </a:xfrm>
           <a:prstGeom prst="rect">
             <a:avLst/>
@@ -8286,262 +8404,6 @@
           </a:bodyPr>
           <a:lstStyle/>
           <a:p>
-            <a:r>
-              <a:rPr lang="es-ES" sz="2400" dirty="0" err="1">
-                <a:solidFill>
-                  <a:srgbClr val="000000"/>
-                </a:solidFill>
-                <a:latin typeface="Calibri" panose="020F0502020204030204" pitchFamily="34" charset="0"/>
-              </a:rPr>
-              <a:t>Task</a:t>
-            </a:r>
-            <a:r>
-              <a:rPr lang="es-ES" sz="2400" dirty="0">
-                <a:solidFill>
-                  <a:srgbClr val="000000"/>
-                </a:solidFill>
-                <a:latin typeface="Calibri" panose="020F0502020204030204" pitchFamily="34" charset="0"/>
-              </a:rPr>
-              <a:t> 1: </a:t>
-            </a:r>
-            <a:r>
-              <a:rPr lang="es-ES" sz="2400" dirty="0" err="1">
-                <a:solidFill>
-                  <a:srgbClr val="000000"/>
-                </a:solidFill>
-                <a:latin typeface="Calibri" panose="020F0502020204030204" pitchFamily="34" charset="0"/>
-              </a:rPr>
-              <a:t>Xen</a:t>
-            </a:r>
-            <a:r>
-              <a:rPr lang="es-ES" sz="2400" dirty="0">
-                <a:solidFill>
-                  <a:srgbClr val="000000"/>
-                </a:solidFill>
-                <a:latin typeface="Calibri" panose="020F0502020204030204" pitchFamily="34" charset="0"/>
-              </a:rPr>
-              <a:t> </a:t>
-            </a:r>
-            <a:r>
-              <a:rPr lang="es-ES" sz="2400" dirty="0" err="1">
-                <a:solidFill>
-                  <a:srgbClr val="000000"/>
-                </a:solidFill>
-                <a:latin typeface="Calibri" panose="020F0502020204030204" pitchFamily="34" charset="0"/>
-              </a:rPr>
-              <a:t>setup</a:t>
-            </a:r>
-            <a:endParaRPr lang="es-ES" sz="2400" dirty="0">
-              <a:solidFill>
-                <a:srgbClr val="000000"/>
-              </a:solidFill>
-              <a:latin typeface="Calibri" panose="020F0502020204030204" pitchFamily="34" charset="0"/>
-            </a:endParaRPr>
-          </a:p>
-          <a:p>
-            <a:r>
-              <a:rPr lang="es-ES" sz="2000" dirty="0">
-                <a:solidFill>
-                  <a:srgbClr val="F89746"/>
-                </a:solidFill>
-                <a:latin typeface="Calibri" panose="020F0502020204030204" pitchFamily="34" charset="0"/>
-              </a:rPr>
-              <a:t>• </a:t>
-            </a:r>
-            <a:r>
-              <a:rPr lang="es-ES" sz="2000" dirty="0">
-                <a:solidFill>
-                  <a:srgbClr val="4F82BE"/>
-                </a:solidFill>
-                <a:latin typeface="Calibri" panose="020F0502020204030204" pitchFamily="34" charset="0"/>
-              </a:rPr>
-              <a:t>Pre-</a:t>
-            </a:r>
-            <a:r>
-              <a:rPr lang="es-ES" sz="2000" dirty="0" err="1">
-                <a:solidFill>
-                  <a:srgbClr val="4F82BE"/>
-                </a:solidFill>
-                <a:latin typeface="Calibri" panose="020F0502020204030204" pitchFamily="34" charset="0"/>
-              </a:rPr>
-              <a:t>installation</a:t>
-            </a:r>
-            <a:endParaRPr lang="es-ES" sz="2000" dirty="0">
-              <a:solidFill>
-                <a:srgbClr val="4F82BE"/>
-              </a:solidFill>
-              <a:latin typeface="Calibri" panose="020F0502020204030204" pitchFamily="34" charset="0"/>
-            </a:endParaRPr>
-          </a:p>
-          <a:p>
-            <a:r>
-              <a:rPr lang="es-ES" dirty="0">
-                <a:solidFill>
-                  <a:srgbClr val="000000"/>
-                </a:solidFill>
-                <a:latin typeface="ArialMT"/>
-              </a:rPr>
-              <a:t>• </a:t>
-            </a:r>
-            <a:r>
-              <a:rPr lang="es-ES" dirty="0" err="1">
-                <a:solidFill>
-                  <a:srgbClr val="000000"/>
-                </a:solidFill>
-                <a:latin typeface="Calibri" panose="020F0502020204030204" pitchFamily="34" charset="0"/>
-              </a:rPr>
-              <a:t>Infrastructure</a:t>
-            </a:r>
-            <a:r>
-              <a:rPr lang="es-ES" dirty="0">
-                <a:solidFill>
-                  <a:srgbClr val="000000"/>
-                </a:solidFill>
-                <a:latin typeface="Calibri" panose="020F0502020204030204" pitchFamily="34" charset="0"/>
-              </a:rPr>
-              <a:t> </a:t>
-            </a:r>
-            <a:r>
-              <a:rPr lang="es-ES" dirty="0" err="1">
-                <a:solidFill>
-                  <a:srgbClr val="000000"/>
-                </a:solidFill>
-                <a:latin typeface="Calibri" panose="020F0502020204030204" pitchFamily="34" charset="0"/>
-              </a:rPr>
-              <a:t>Setup</a:t>
-            </a:r>
-            <a:endParaRPr lang="es-ES" dirty="0">
-              <a:solidFill>
-                <a:srgbClr val="000000"/>
-              </a:solidFill>
-              <a:latin typeface="Calibri" panose="020F0502020204030204" pitchFamily="34" charset="0"/>
-            </a:endParaRPr>
-          </a:p>
-          <a:p>
-            <a:r>
-              <a:rPr lang="es-ES" sz="2000" dirty="0">
-                <a:solidFill>
-                  <a:srgbClr val="F89746"/>
-                </a:solidFill>
-                <a:latin typeface="Calibri" panose="020F0502020204030204" pitchFamily="34" charset="0"/>
-              </a:rPr>
-              <a:t>• </a:t>
-            </a:r>
-            <a:r>
-              <a:rPr lang="es-ES" sz="2000" dirty="0" err="1">
-                <a:solidFill>
-                  <a:srgbClr val="4F82BE"/>
-                </a:solidFill>
-                <a:latin typeface="Calibri" panose="020F0502020204030204" pitchFamily="34" charset="0"/>
-              </a:rPr>
-              <a:t>Installation</a:t>
-            </a:r>
-            <a:endParaRPr lang="es-ES" sz="2000" dirty="0">
-              <a:solidFill>
-                <a:srgbClr val="4F82BE"/>
-              </a:solidFill>
-              <a:latin typeface="Calibri" panose="020F0502020204030204" pitchFamily="34" charset="0"/>
-            </a:endParaRPr>
-          </a:p>
-          <a:p>
-            <a:r>
-              <a:rPr lang="es-ES" sz="2000" dirty="0">
-                <a:solidFill>
-                  <a:srgbClr val="F89746"/>
-                </a:solidFill>
-                <a:latin typeface="Calibri" panose="020F0502020204030204" pitchFamily="34" charset="0"/>
-              </a:rPr>
-              <a:t>• </a:t>
-            </a:r>
-            <a:r>
-              <a:rPr lang="es-ES" sz="2000" dirty="0">
-                <a:solidFill>
-                  <a:srgbClr val="4F82BE"/>
-                </a:solidFill>
-                <a:latin typeface="Calibri" panose="020F0502020204030204" pitchFamily="34" charset="0"/>
-              </a:rPr>
-              <a:t>Post-</a:t>
-            </a:r>
-            <a:r>
-              <a:rPr lang="es-ES" sz="2000" dirty="0" err="1">
-                <a:solidFill>
-                  <a:srgbClr val="4F82BE"/>
-                </a:solidFill>
-                <a:latin typeface="Calibri" panose="020F0502020204030204" pitchFamily="34" charset="0"/>
-              </a:rPr>
-              <a:t>installation</a:t>
-            </a:r>
-            <a:endParaRPr lang="es-ES" sz="2000" dirty="0">
-              <a:solidFill>
-                <a:srgbClr val="4F82BE"/>
-              </a:solidFill>
-              <a:latin typeface="Calibri" panose="020F0502020204030204" pitchFamily="34" charset="0"/>
-            </a:endParaRPr>
-          </a:p>
-          <a:p>
-            <a:r>
-              <a:rPr lang="es-ES" dirty="0">
-                <a:solidFill>
-                  <a:srgbClr val="000000"/>
-                </a:solidFill>
-                <a:latin typeface="ArialMT"/>
-              </a:rPr>
-              <a:t>• </a:t>
-            </a:r>
-            <a:r>
-              <a:rPr lang="es-ES" dirty="0">
-                <a:solidFill>
-                  <a:srgbClr val="000000"/>
-                </a:solidFill>
-                <a:latin typeface="Calibri" panose="020F0502020204030204" pitchFamily="34" charset="0"/>
-              </a:rPr>
-              <a:t>Virtual </a:t>
-            </a:r>
-            <a:r>
-              <a:rPr lang="es-ES" dirty="0" err="1">
-                <a:solidFill>
-                  <a:srgbClr val="000000"/>
-                </a:solidFill>
-                <a:latin typeface="Calibri" panose="020F0502020204030204" pitchFamily="34" charset="0"/>
-              </a:rPr>
-              <a:t>environment</a:t>
-            </a:r>
-            <a:r>
-              <a:rPr lang="es-ES" dirty="0">
-                <a:solidFill>
-                  <a:srgbClr val="000000"/>
-                </a:solidFill>
-                <a:latin typeface="Calibri" panose="020F0502020204030204" pitchFamily="34" charset="0"/>
-              </a:rPr>
-              <a:t> </a:t>
-            </a:r>
-            <a:r>
-              <a:rPr lang="es-ES" dirty="0" err="1">
-                <a:solidFill>
-                  <a:srgbClr val="000000"/>
-                </a:solidFill>
-                <a:latin typeface="Calibri" panose="020F0502020204030204" pitchFamily="34" charset="0"/>
-              </a:rPr>
-              <a:t>configuration</a:t>
-            </a:r>
-            <a:r>
-              <a:rPr lang="es-ES" dirty="0">
-                <a:solidFill>
-                  <a:srgbClr val="000000"/>
-                </a:solidFill>
-                <a:latin typeface="Calibri" panose="020F0502020204030204" pitchFamily="34" charset="0"/>
-              </a:rPr>
-              <a:t>: dom0 and </a:t>
-            </a:r>
-            <a:r>
-              <a:rPr lang="es-ES" dirty="0" err="1">
-                <a:solidFill>
-                  <a:srgbClr val="000000"/>
-                </a:solidFill>
-                <a:latin typeface="Calibri" panose="020F0502020204030204" pitchFamily="34" charset="0"/>
-              </a:rPr>
-              <a:t>Xend</a:t>
-            </a:r>
             <a:endParaRPr lang="es-ES" dirty="0"/>
           </a:p>
         </p:txBody>
@@ -8549,7 +8411,7 @@
     </p:spTree>
     <p:extLst>
       <p:ext uri="{BB962C8B-B14F-4D97-AF65-F5344CB8AC3E}">
-        <p14:creationId xmlns:p14="http://schemas.microsoft.com/office/powerpoint/2010/main" val="1056144794"/>
+        <p14:creationId xmlns:p14="http://schemas.microsoft.com/office/powerpoint/2010/main" val="2919900858"/>
       </p:ext>
     </p:extLst>
   </p:cSld>
@@ -8658,11 +8520,11 @@
             <a:pPr algn="just"/>
             <a:r>
               <a:rPr lang="es-ES" dirty="0"/>
-              <a:t>Comprobar VTX en la </a:t>
+              <a:t>Configurar demonio </a:t>
             </a:r>
             <a:r>
               <a:rPr lang="es-ES" dirty="0" err="1"/>
-              <a:t>bios</a:t>
+              <a:t>Xend</a:t>
             </a:r>
             <a:endParaRPr lang="es-ES" dirty="0"/>
           </a:p>
@@ -8671,48 +8533,32 @@
               <a:buNone/>
             </a:pPr>
             <a:r>
-              <a:rPr lang="es-ES" i="1" dirty="0" err="1"/>
-              <a:t>cat</a:t>
+              <a:rPr lang="es-ES" dirty="0"/>
+              <a:t>/</a:t>
+            </a:r>
+            <a:r>
+              <a:rPr lang="es-ES" dirty="0" err="1"/>
+              <a:t>etc</a:t>
+            </a:r>
+            <a:r>
+              <a:rPr lang="es-ES" dirty="0"/>
+              <a:t>/</a:t>
+            </a:r>
+            <a:r>
+              <a:rPr lang="es-ES" dirty="0" err="1"/>
+              <a:t>xen</a:t>
+            </a:r>
+            <a:r>
+              <a:rPr lang="es-ES" dirty="0"/>
+              <a:t>/</a:t>
+            </a:r>
+            <a:r>
+              <a:rPr lang="es-ES" dirty="0" err="1"/>
+              <a:t>xend-config.sxp</a:t>
             </a:r>
             <a:r>
               <a:rPr lang="es-ES" i="1" dirty="0"/>
-              <a:t> /</a:t>
-            </a:r>
-            <a:r>
-              <a:rPr lang="es-ES" i="1" dirty="0" err="1"/>
-              <a:t>proc</a:t>
-            </a:r>
-            <a:r>
-              <a:rPr lang="es-ES" i="1" dirty="0"/>
-              <a:t>/</a:t>
-            </a:r>
-            <a:r>
-              <a:rPr lang="es-ES" i="1" dirty="0" err="1"/>
-              <a:t>cpuinfo</a:t>
-            </a:r>
-            <a:r>
-              <a:rPr lang="es-ES" i="1" dirty="0"/>
-              <a:t>| grep </a:t>
-            </a:r>
-            <a:r>
-              <a:rPr lang="es-ES" i="1" dirty="0" err="1"/>
-              <a:t>vmx</a:t>
-            </a:r>
-            <a:endParaRPr lang="es-ES" i="1" dirty="0"/>
-          </a:p>
-          <a:p>
-            <a:pPr algn="just"/>
-            <a:r>
-              <a:rPr lang="es-ES" dirty="0"/>
-              <a:t>Instalar </a:t>
-            </a:r>
-            <a:r>
-              <a:rPr lang="es-ES" dirty="0" err="1"/>
-              <a:t>Xen</a:t>
-            </a:r>
-            <a:r>
-              <a:rPr lang="es-ES" dirty="0"/>
-              <a:t> versión 4.1</a:t>
+              <a:t> </a:t>
             </a:r>
           </a:p>
           <a:p>
@@ -8720,27 +8566,23 @@
               <a:buNone/>
             </a:pPr>
             <a:r>
-              <a:rPr lang="es-ES" i="1" dirty="0" err="1"/>
-              <a:t>apt-get</a:t>
-            </a:r>
-            <a:r>
-              <a:rPr lang="es-ES" i="1" dirty="0"/>
-              <a:t> </a:t>
-            </a:r>
-            <a:r>
-              <a:rPr lang="es-ES" i="1" dirty="0" err="1"/>
-              <a:t>install</a:t>
-            </a:r>
-            <a:r>
-              <a:rPr lang="es-ES" i="1" dirty="0"/>
-              <a:t> xen-hypervisor-4.1-amd64</a:t>
+              <a:rPr lang="es-ES" sz="1600" i="1" dirty="0" err="1"/>
+              <a:t>Descomentar</a:t>
+            </a:r>
+            <a:r>
+              <a:rPr lang="es-ES" sz="1600" i="1" dirty="0"/>
+              <a:t> Network Bridge</a:t>
             </a:r>
           </a:p>
           <a:p>
             <a:pPr algn="just"/>
             <a:r>
+              <a:rPr lang="es-ES" dirty="0" err="1"/>
+              <a:t>Reboot</a:t>
+            </a:r>
+            <a:r>
               <a:rPr lang="es-ES" dirty="0"/>
-              <a:t>Comprobar GRUB y actualizar</a:t>
+              <a:t> y control de errores</a:t>
             </a:r>
           </a:p>
           <a:p>
@@ -8749,48 +8591,9 @@
             </a:pPr>
             <a:r>
               <a:rPr lang="es-ES" i="1" dirty="0" err="1"/>
-              <a:t>update-grub</a:t>
+              <a:t>dmesg</a:t>
             </a:r>
             <a:endParaRPr lang="es-ES" i="1" dirty="0"/>
-          </a:p>
-          <a:p>
-            <a:r>
-              <a:rPr lang="es-ES" dirty="0"/>
-              <a:t>Configurar arranque de Dom-0</a:t>
-            </a:r>
-          </a:p>
-          <a:p>
-            <a:pPr marL="82296" indent="0" algn="r">
-              <a:buNone/>
-            </a:pPr>
-            <a:r>
-              <a:rPr lang="es-ES" sz="1400" dirty="0"/>
-              <a:t>GRUB_CMDLINE_XEN_DEFAULT="dom0_mem=1024M,max:2048M dom0_max_vcpus=1“</a:t>
-            </a:r>
-          </a:p>
-          <a:p>
-            <a:r>
-              <a:rPr lang="es-ES" dirty="0"/>
-              <a:t>Comprobar si hay errores</a:t>
-            </a:r>
-          </a:p>
-          <a:p>
-            <a:pPr marL="82296" indent="0" algn="r">
-              <a:buNone/>
-            </a:pPr>
-            <a:r>
-              <a:rPr lang="es-ES" i="1" dirty="0" err="1"/>
-              <a:t>dmesg</a:t>
-            </a:r>
-            <a:r>
-              <a:rPr lang="es-ES" i="1" dirty="0"/>
-              <a:t> | grep </a:t>
-            </a:r>
-            <a:r>
-              <a:rPr lang="es-ES" i="1" dirty="0" err="1"/>
-              <a:t>Xen</a:t>
-            </a:r>
-            <a:endParaRPr lang="es-ES" sz="1400" i="1" dirty="0"/>
           </a:p>
         </p:txBody>
       </p:sp>
@@ -8822,7 +8625,7 @@
     </p:spTree>
     <p:extLst>
       <p:ext uri="{BB962C8B-B14F-4D97-AF65-F5344CB8AC3E}">
-        <p14:creationId xmlns:p14="http://schemas.microsoft.com/office/powerpoint/2010/main" val="2919900858"/>
+        <p14:creationId xmlns:p14="http://schemas.microsoft.com/office/powerpoint/2010/main" val="3788947234"/>
       </p:ext>
     </p:extLst>
   </p:cSld>
@@ -8888,11 +8691,11 @@
             <a:pPr algn="ctr"/>
             <a:r>
               <a:rPr lang="es-ES" b="1" dirty="0"/>
-              <a:t>2.1 </a:t>
+              <a:t>2.2 </a:t>
             </a:r>
             <a:r>
               <a:rPr lang="es-ES" b="1" dirty="0" err="1"/>
-              <a:t>Xen</a:t>
+              <a:t>DomU</a:t>
             </a:r>
             <a:r>
               <a:rPr lang="es-ES" b="1" dirty="0"/>
@@ -8900,7 +8703,7 @@
             </a:r>
             <a:r>
               <a:rPr lang="es-ES" b="1" dirty="0" err="1"/>
-              <a:t>setup</a:t>
+              <a:t>Instalation</a:t>
             </a:r>
             <a:endParaRPr lang="es-ES" b="1" dirty="0"/>
           </a:p>
@@ -8928,48 +8731,49 @@
           </a:bodyPr>
           <a:lstStyle/>
           <a:p>
-            <a:pPr algn="just"/>
+            <a:pPr marL="82296" indent="0" algn="just">
+              <a:buNone/>
+            </a:pPr>
             <a:r>
               <a:rPr lang="es-ES" dirty="0"/>
-              <a:t>Configurar demonio </a:t>
+              <a:t>Instalación </a:t>
             </a:r>
             <a:r>
               <a:rPr lang="es-ES" dirty="0" err="1"/>
-              <a:t>Xend</a:t>
-            </a:r>
-            <a:endParaRPr lang="es-ES" dirty="0"/>
+              <a:t>DomU</a:t>
+            </a:r>
+            <a:r>
+              <a:rPr lang="es-ES" dirty="0"/>
+              <a:t> </a:t>
+            </a:r>
+            <a:r>
+              <a:rPr lang="es-ES" dirty="0" err="1"/>
+              <a:t>xen-tools</a:t>
+            </a:r>
+            <a:r>
+              <a:rPr lang="es-ES" dirty="0"/>
+              <a:t>:</a:t>
+            </a:r>
           </a:p>
           <a:p>
             <a:pPr marL="82296" indent="0" algn="r">
               <a:buNone/>
             </a:pPr>
             <a:r>
-              <a:rPr lang="es-ES" dirty="0"/>
-              <a:t>/</a:t>
-            </a:r>
-            <a:r>
-              <a:rPr lang="es-ES" dirty="0" err="1"/>
-              <a:t>etc</a:t>
-            </a:r>
-            <a:r>
-              <a:rPr lang="es-ES" dirty="0"/>
-              <a:t>/</a:t>
-            </a:r>
-            <a:r>
-              <a:rPr lang="es-ES" dirty="0" err="1"/>
-              <a:t>xen</a:t>
-            </a:r>
-            <a:r>
-              <a:rPr lang="es-ES" dirty="0"/>
-              <a:t>/</a:t>
-            </a:r>
-            <a:r>
-              <a:rPr lang="es-ES" dirty="0" err="1"/>
-              <a:t>xend-config.sxp</a:t>
+              <a:rPr lang="es-ES" i="1" dirty="0" err="1"/>
+              <a:t>xen-create-image</a:t>
             </a:r>
             <a:r>
               <a:rPr lang="es-ES" i="1" dirty="0"/>
-              <a:t> </a:t>
+              <a:t> –</a:t>
+            </a:r>
+            <a:r>
+              <a:rPr lang="es-ES" i="1" dirty="0" err="1"/>
+              <a:t>hostname</a:t>
+            </a:r>
+            <a:r>
+              <a:rPr lang="es-ES" i="1" dirty="0"/>
+              <a:t>=prueba</a:t>
             </a:r>
           </a:p>
           <a:p>
@@ -8977,58 +8781,206 @@
               <a:buNone/>
             </a:pPr>
             <a:r>
-              <a:rPr lang="es-ES" sz="1600" i="1" dirty="0" err="1"/>
-              <a:t>Descomentar</a:t>
-            </a:r>
-            <a:r>
-              <a:rPr lang="es-ES" sz="1600" i="1" dirty="0"/>
-              <a:t> Network Bridge</a:t>
-            </a:r>
-          </a:p>
-          <a:p>
-            <a:pPr algn="just"/>
-            <a:r>
-              <a:rPr lang="es-ES" dirty="0" err="1"/>
-              <a:t>Reboot</a:t>
-            </a:r>
-            <a:r>
-              <a:rPr lang="es-ES" dirty="0"/>
-              <a:t> y control de errores</a:t>
-            </a:r>
+              <a:rPr lang="es-ES" i="1" dirty="0" err="1"/>
+              <a:t>xm</a:t>
+            </a:r>
+            <a:r>
+              <a:rPr lang="es-ES" i="1" dirty="0"/>
+              <a:t> </a:t>
+            </a:r>
+            <a:r>
+              <a:rPr lang="es-ES" i="1" dirty="0" err="1"/>
+              <a:t>create</a:t>
+            </a:r>
+            <a:r>
+              <a:rPr lang="es-ES" i="1" dirty="0"/>
+              <a:t> –c /</a:t>
+            </a:r>
+            <a:r>
+              <a:rPr lang="es-ES" i="1" dirty="0" err="1"/>
+              <a:t>etc</a:t>
+            </a:r>
+            <a:r>
+              <a:rPr lang="es-ES" i="1" dirty="0"/>
+              <a:t>/</a:t>
+            </a:r>
+            <a:r>
+              <a:rPr lang="es-ES" i="1" dirty="0" err="1"/>
+              <a:t>xen</a:t>
+            </a:r>
+            <a:r>
+              <a:rPr lang="es-ES" i="1" dirty="0"/>
+              <a:t>/</a:t>
+            </a:r>
+            <a:r>
+              <a:rPr lang="es-ES" i="1" dirty="0" err="1"/>
+              <a:t>prueba.cfg</a:t>
+            </a:r>
+            <a:endParaRPr lang="es-ES" i="1" dirty="0"/>
           </a:p>
           <a:p>
             <a:pPr marL="82296" indent="0" algn="r">
               <a:buNone/>
             </a:pPr>
             <a:r>
+              <a:rPr lang="es-ES" sz="1400" dirty="0"/>
+              <a:t>Pasar a DHCP en /</a:t>
+            </a:r>
+            <a:r>
+              <a:rPr lang="es-ES" sz="1400" dirty="0" err="1"/>
+              <a:t>etc</a:t>
+            </a:r>
+            <a:r>
+              <a:rPr lang="es-ES" sz="1400" dirty="0"/>
+              <a:t>/</a:t>
+            </a:r>
+            <a:r>
+              <a:rPr lang="es-ES" sz="1400" dirty="0" err="1"/>
+              <a:t>network</a:t>
+            </a:r>
+            <a:r>
+              <a:rPr lang="es-ES" sz="1400" dirty="0"/>
+              <a:t>/interfaces</a:t>
+            </a:r>
+          </a:p>
+          <a:p>
+            <a:pPr marL="82296" indent="0">
+              <a:buNone/>
+            </a:pPr>
+            <a:r>
+              <a:rPr lang="es-ES" dirty="0"/>
+              <a:t>Creación de </a:t>
+            </a:r>
+            <a:r>
+              <a:rPr lang="es-ES" dirty="0" err="1"/>
+              <a:t>Snapshot</a:t>
+            </a:r>
+            <a:endParaRPr lang="es-ES" dirty="0"/>
+          </a:p>
+          <a:p>
+            <a:pPr marL="82296" indent="0">
+              <a:buNone/>
+            </a:pPr>
+            <a:r>
+              <a:rPr lang="es-ES" sz="1800" dirty="0"/>
+              <a:t>Permite crear un nuevo volumen lógico a partir de otro base previamente creado.</a:t>
+            </a:r>
+          </a:p>
+          <a:p>
+            <a:pPr marL="82296" indent="0" algn="r">
+              <a:buNone/>
+            </a:pPr>
+            <a:r>
               <a:rPr lang="es-ES" i="1" dirty="0" err="1"/>
-              <a:t>dmesg</a:t>
-            </a:r>
-            <a:endParaRPr lang="es-ES" i="1" dirty="0"/>
-          </a:p>
-        </p:txBody>
-      </p:sp>
-      <p:sp>
-        <p:nvSpPr>
-          <p:cNvPr id="4" name="Rectangle 3"/>
-          <p:cNvSpPr/>
-          <p:nvPr/>
-        </p:nvSpPr>
-        <p:spPr>
-          <a:xfrm>
-            <a:off x="2286000" y="2321005"/>
-            <a:ext cx="4572000" cy="369332"/>
-          </a:xfrm>
-          <a:prstGeom prst="rect">
-            <a:avLst/>
-          </a:prstGeom>
-        </p:spPr>
-        <p:txBody>
-          <a:bodyPr>
-            <a:spAutoFit/>
-          </a:bodyPr>
-          <a:lstStyle/>
-          <a:p>
+              <a:t>lvcreate</a:t>
+            </a:r>
+            <a:r>
+              <a:rPr lang="es-ES" i="1" dirty="0"/>
+              <a:t> -L5Gi -s -n </a:t>
+            </a:r>
+            <a:r>
+              <a:rPr lang="es-ES" i="1" dirty="0" err="1"/>
+              <a:t>vmdisk</a:t>
+            </a:r>
+            <a:r>
+              <a:rPr lang="es-ES" i="1" dirty="0"/>
+              <a:t> /</a:t>
+            </a:r>
+            <a:r>
+              <a:rPr lang="es-ES" i="1" dirty="0" err="1"/>
+              <a:t>dev</a:t>
+            </a:r>
+            <a:r>
+              <a:rPr lang="es-ES" i="1" dirty="0"/>
+              <a:t>/vol1/base</a:t>
+            </a:r>
+          </a:p>
+          <a:p>
+            <a:pPr marL="82296" indent="0">
+              <a:buNone/>
+            </a:pPr>
+            <a:r>
+              <a:rPr lang="es-ES" dirty="0"/>
+              <a:t>Creación de imagen comprimida</a:t>
+            </a:r>
+          </a:p>
+          <a:p>
+            <a:pPr marL="82296" indent="0">
+              <a:buNone/>
+            </a:pPr>
+            <a:r>
+              <a:rPr lang="es-ES" sz="1800" dirty="0"/>
+              <a:t>Crea un disco comprimido a partir de un volumen lógico</a:t>
+            </a:r>
+          </a:p>
+          <a:p>
+            <a:pPr marL="82296" indent="0" algn="r">
+              <a:buNone/>
+            </a:pPr>
+            <a:r>
+              <a:rPr lang="es-ES" i="1" dirty="0" err="1"/>
+              <a:t>lvcreate</a:t>
+            </a:r>
+            <a:r>
+              <a:rPr lang="es-ES" i="1" dirty="0"/>
+              <a:t> -L5Gi -s -n disco1 /</a:t>
+            </a:r>
+            <a:r>
+              <a:rPr lang="es-ES" i="1" dirty="0" err="1"/>
+              <a:t>dev</a:t>
+            </a:r>
+            <a:r>
+              <a:rPr lang="es-ES" i="1" dirty="0"/>
+              <a:t>/vol1/base</a:t>
+            </a:r>
+          </a:p>
+          <a:p>
+            <a:pPr marL="82296" indent="0" algn="r">
+              <a:buNone/>
+            </a:pPr>
+            <a:r>
+              <a:rPr lang="es-ES" i="1" dirty="0" err="1"/>
+              <a:t>dd</a:t>
+            </a:r>
+            <a:r>
+              <a:rPr lang="es-ES" i="1" dirty="0"/>
+              <a:t> </a:t>
+            </a:r>
+            <a:r>
+              <a:rPr lang="es-ES" i="1" dirty="0" err="1"/>
+              <a:t>if</a:t>
+            </a:r>
+            <a:r>
+              <a:rPr lang="es-ES" i="1" dirty="0"/>
+              <a:t>=/</a:t>
+            </a:r>
+            <a:r>
+              <a:rPr lang="es-ES" i="1" dirty="0" err="1"/>
+              <a:t>dev</a:t>
+            </a:r>
+            <a:r>
+              <a:rPr lang="es-ES" i="1" dirty="0"/>
+              <a:t>/vol1/disco1 | </a:t>
+            </a:r>
+            <a:r>
+              <a:rPr lang="es-ES" i="1" dirty="0" err="1"/>
+              <a:t>gzip</a:t>
+            </a:r>
+            <a:r>
+              <a:rPr lang="es-ES" i="1" dirty="0"/>
+              <a:t>&gt;backup.img.gz</a:t>
+            </a:r>
+          </a:p>
+          <a:p>
+            <a:pPr marL="82296" indent="0">
+              <a:buNone/>
+            </a:pPr>
+            <a:endParaRPr lang="es-ES" dirty="0"/>
+          </a:p>
+          <a:p>
+            <a:pPr marL="82296" indent="0" algn="just">
+              <a:buNone/>
+            </a:pPr>
             <a:endParaRPr lang="es-ES" dirty="0"/>
           </a:p>
         </p:txBody>
@@ -9036,7 +8988,7 @@
     </p:spTree>
     <p:extLst>
       <p:ext uri="{BB962C8B-B14F-4D97-AF65-F5344CB8AC3E}">
-        <p14:creationId xmlns:p14="http://schemas.microsoft.com/office/powerpoint/2010/main" val="3788947234"/>
+        <p14:creationId xmlns:p14="http://schemas.microsoft.com/office/powerpoint/2010/main" val="1264646650"/>
       </p:ext>
     </p:extLst>
   </p:cSld>
@@ -9147,8 +9099,125 @@
             </a:pPr>
             <a:r>
               <a:rPr lang="es-ES" dirty="0"/>
-              <a:t>.</a:t>
-            </a:r>
+              <a:t>Restaurar copia a fichero monolítico:</a:t>
+            </a:r>
+          </a:p>
+          <a:p>
+            <a:pPr marL="82296" indent="0" algn="r">
+              <a:buNone/>
+            </a:pPr>
+            <a:r>
+              <a:rPr lang="es-ES" i="1" dirty="0"/>
+              <a:t>Basta con descomprimir </a:t>
+            </a:r>
+            <a:r>
+              <a:rPr lang="es-ES" i="1" dirty="0" err="1"/>
+              <a:t>backup.img</a:t>
+            </a:r>
+            <a:endParaRPr lang="es-ES" i="1" dirty="0"/>
+          </a:p>
+          <a:p>
+            <a:pPr marL="82296" indent="0">
+              <a:buNone/>
+            </a:pPr>
+            <a:r>
+              <a:rPr lang="es-ES" dirty="0"/>
+              <a:t>Creación de </a:t>
+            </a:r>
+            <a:r>
+              <a:rPr lang="es-ES" dirty="0" err="1"/>
+              <a:t>DomU</a:t>
+            </a:r>
+            <a:r>
+              <a:rPr lang="es-ES" dirty="0"/>
+              <a:t> desde fichero</a:t>
+            </a:r>
+          </a:p>
+          <a:p>
+            <a:pPr marL="82296" indent="0">
+              <a:buNone/>
+            </a:pPr>
+            <a:r>
+              <a:rPr lang="es-ES" sz="1800" dirty="0"/>
+              <a:t>Crear un nuevo fichero </a:t>
+            </a:r>
+            <a:r>
+              <a:rPr lang="es-ES" sz="1800" dirty="0" err="1"/>
+              <a:t>backup.cfg</a:t>
+            </a:r>
+            <a:r>
+              <a:rPr lang="es-ES" sz="1800" dirty="0"/>
+              <a:t> a partir de alguno de los anteriores y sustituir configuración del disco y nombre</a:t>
+            </a:r>
+          </a:p>
+          <a:p>
+            <a:pPr marL="82296" indent="0" algn="r">
+              <a:buNone/>
+            </a:pPr>
+            <a:r>
+              <a:rPr lang="es-ES" sz="2400" i="1" dirty="0"/>
+              <a:t>disk = [</a:t>
+            </a:r>
+            <a:r>
+              <a:rPr lang="nn-NO" sz="2400" i="1" dirty="0"/>
+              <a:t>’file:/backup.img,xvda1,w’, ]</a:t>
+            </a:r>
+          </a:p>
+          <a:p>
+            <a:pPr marL="82296" indent="0" algn="r">
+              <a:buNone/>
+            </a:pPr>
+            <a:r>
+              <a:rPr lang="es-ES" sz="2400" i="1" dirty="0" err="1"/>
+              <a:t>name</a:t>
+            </a:r>
+            <a:r>
+              <a:rPr lang="es-ES" sz="2400" i="1" dirty="0"/>
+              <a:t> =’</a:t>
+            </a:r>
+            <a:r>
+              <a:rPr lang="es-ES" sz="2400" i="1" dirty="0" err="1"/>
+              <a:t>backup</a:t>
+            </a:r>
+            <a:r>
+              <a:rPr lang="es-ES" sz="2400" i="1" dirty="0"/>
+              <a:t>’</a:t>
+            </a:r>
+          </a:p>
+          <a:p>
+            <a:pPr marL="82296" indent="0">
+              <a:buNone/>
+            </a:pPr>
+            <a:r>
+              <a:rPr lang="es-ES" dirty="0"/>
+              <a:t>Arrancar la máquina creada</a:t>
+            </a:r>
+          </a:p>
+          <a:p>
+            <a:pPr marL="82296" indent="0" algn="r">
+              <a:buNone/>
+            </a:pPr>
+            <a:r>
+              <a:rPr lang="es-ES" i="1" dirty="0" err="1"/>
+              <a:t>xm</a:t>
+            </a:r>
+            <a:r>
+              <a:rPr lang="es-ES" i="1" dirty="0"/>
+              <a:t> </a:t>
+            </a:r>
+            <a:r>
+              <a:rPr lang="es-ES" i="1" dirty="0" err="1"/>
+              <a:t>create</a:t>
+            </a:r>
+            <a:r>
+              <a:rPr lang="es-ES" i="1" dirty="0"/>
+              <a:t> –c </a:t>
+            </a:r>
+            <a:r>
+              <a:rPr lang="es-ES" i="1" dirty="0" err="1"/>
+              <a:t>backup.cfg</a:t>
+            </a:r>
+            <a:endParaRPr lang="es-ES" i="1" dirty="0"/>
           </a:p>
           <a:p>
             <a:pPr marL="82296" indent="0" algn="just">
@@ -9158,108 +9227,10 @@
           </a:p>
         </p:txBody>
       </p:sp>
-      <p:sp>
-        <p:nvSpPr>
-          <p:cNvPr id="4" name="Rectangle 3"/>
-          <p:cNvSpPr/>
-          <p:nvPr/>
-        </p:nvSpPr>
-        <p:spPr>
-          <a:xfrm>
-            <a:off x="2286000" y="2998113"/>
-            <a:ext cx="4572000" cy="861774"/>
-          </a:xfrm>
-          <a:prstGeom prst="rect">
-            <a:avLst/>
-          </a:prstGeom>
-        </p:spPr>
-        <p:txBody>
-          <a:bodyPr>
-            <a:spAutoFit/>
-          </a:bodyPr>
-          <a:lstStyle/>
-          <a:p>
-            <a:r>
-              <a:rPr lang="en-US" dirty="0">
-                <a:solidFill>
-                  <a:srgbClr val="000000"/>
-                </a:solidFill>
-                <a:latin typeface="Calibri" panose="020F0502020204030204" pitchFamily="34" charset="0"/>
-              </a:rPr>
-              <a:t>Task 2: VM (</a:t>
-            </a:r>
-            <a:r>
-              <a:rPr lang="en-US" i="1" dirty="0" err="1">
-                <a:solidFill>
-                  <a:srgbClr val="000000"/>
-                </a:solidFill>
-                <a:latin typeface="Calibri-Italic"/>
-              </a:rPr>
-              <a:t>DomU</a:t>
-            </a:r>
-            <a:r>
-              <a:rPr lang="en-US" dirty="0">
-                <a:solidFill>
-                  <a:srgbClr val="000000"/>
-                </a:solidFill>
-                <a:latin typeface="Calibri" panose="020F0502020204030204" pitchFamily="34" charset="0"/>
-              </a:rPr>
-              <a:t>) creation</a:t>
-            </a:r>
-          </a:p>
-          <a:p>
-            <a:r>
-              <a:rPr lang="es-ES" sz="1600" dirty="0">
-                <a:solidFill>
-                  <a:srgbClr val="F89746"/>
-                </a:solidFill>
-                <a:latin typeface="Calibri" panose="020F0502020204030204" pitchFamily="34" charset="0"/>
-              </a:rPr>
-              <a:t>• </a:t>
-            </a:r>
-            <a:r>
-              <a:rPr lang="es-ES" sz="1600" dirty="0" err="1">
-                <a:solidFill>
-                  <a:srgbClr val="4F82BE"/>
-                </a:solidFill>
-                <a:latin typeface="Calibri" panose="020F0502020204030204" pitchFamily="34" charset="0"/>
-              </a:rPr>
-              <a:t>Snapshots</a:t>
-            </a:r>
-            <a:endParaRPr lang="es-ES" sz="1600" dirty="0">
-              <a:solidFill>
-                <a:srgbClr val="4F82BE"/>
-              </a:solidFill>
-              <a:latin typeface="Calibri" panose="020F0502020204030204" pitchFamily="34" charset="0"/>
-            </a:endParaRPr>
-          </a:p>
-          <a:p>
-            <a:r>
-              <a:rPr lang="es-ES" sz="1600" dirty="0">
-                <a:solidFill>
-                  <a:srgbClr val="F89746"/>
-                </a:solidFill>
-                <a:latin typeface="Calibri" panose="020F0502020204030204" pitchFamily="34" charset="0"/>
-              </a:rPr>
-              <a:t>• </a:t>
-            </a:r>
-            <a:r>
-              <a:rPr lang="es-ES" sz="1600" dirty="0">
-                <a:solidFill>
-                  <a:srgbClr val="4F82BE"/>
-                </a:solidFill>
-                <a:latin typeface="Calibri" panose="020F0502020204030204" pitchFamily="34" charset="0"/>
-              </a:rPr>
-              <a:t>Clones</a:t>
-            </a:r>
-            <a:endParaRPr lang="es-ES" dirty="0"/>
-          </a:p>
-        </p:txBody>
-      </p:sp>
     </p:spTree>
     <p:extLst>
       <p:ext uri="{BB962C8B-B14F-4D97-AF65-F5344CB8AC3E}">
-        <p14:creationId xmlns:p14="http://schemas.microsoft.com/office/powerpoint/2010/main" val="2695001948"/>
+        <p14:creationId xmlns:p14="http://schemas.microsoft.com/office/powerpoint/2010/main" val="2525206213"/>
       </p:ext>
     </p:extLst>
   </p:cSld>
@@ -9344,611 +9315,6 @@
 </file>
 
 <file path=ppt/slides/slide20.xml><?xml version="1.0" encoding="utf-8"?>
-<p:sld xmlns:a="http://schemas.openxmlformats.org/drawingml/2006/main" xmlns:r="http://schemas.openxmlformats.org/officeDocument/2006/relationships" xmlns:p="http://schemas.openxmlformats.org/presentationml/2006/main">
-  <p:cSld>
-    <p:spTree>
-      <p:nvGrpSpPr>
-        <p:cNvPr id="1" name=""/>
-        <p:cNvGrpSpPr/>
-        <p:nvPr/>
-      </p:nvGrpSpPr>
-      <p:grpSpPr>
-        <a:xfrm>
-          <a:off x="0" y="0"/>
-          <a:ext cx="0" cy="0"/>
-          <a:chOff x="0" y="0"/>
-          <a:chExt cx="0" cy="0"/>
-        </a:xfrm>
-      </p:grpSpPr>
-      <p:sp>
-        <p:nvSpPr>
-          <p:cNvPr id="2" name="1 Título"/>
-          <p:cNvSpPr>
-            <a:spLocks noGrp="1"/>
-          </p:cNvSpPr>
-          <p:nvPr>
-            <p:ph type="title"/>
-          </p:nvPr>
-        </p:nvSpPr>
-        <p:spPr>
-          <a:xfrm>
-            <a:off x="1331640" y="260648"/>
-            <a:ext cx="7467600" cy="562074"/>
-          </a:xfrm>
-        </p:spPr>
-        <p:style>
-          <a:lnRef idx="2">
-            <a:schemeClr val="dk1"/>
-          </a:lnRef>
-          <a:fillRef idx="1">
-            <a:schemeClr val="lt1"/>
-          </a:fillRef>
-          <a:effectRef idx="0">
-            <a:schemeClr val="dk1"/>
-          </a:effectRef>
-          <a:fontRef idx="minor">
-            <a:schemeClr val="dk1"/>
-          </a:fontRef>
-        </p:style>
-        <p:txBody>
-          <a:bodyPr>
-            <a:normAutofit fontScale="90000"/>
-          </a:bodyPr>
-          <a:lstStyle/>
-          <a:p>
-            <a:pPr algn="ctr"/>
-            <a:r>
-              <a:rPr lang="es-ES" b="1" dirty="0"/>
-              <a:t>2.2 </a:t>
-            </a:r>
-            <a:r>
-              <a:rPr lang="es-ES" b="1" dirty="0" err="1"/>
-              <a:t>DomU</a:t>
-            </a:r>
-            <a:r>
-              <a:rPr lang="es-ES" b="1" dirty="0"/>
-              <a:t> </a:t>
-            </a:r>
-            <a:r>
-              <a:rPr lang="es-ES" b="1" dirty="0" err="1"/>
-              <a:t>Instalation</a:t>
-            </a:r>
-            <a:endParaRPr lang="es-ES" b="1" dirty="0"/>
-          </a:p>
-        </p:txBody>
-      </p:sp>
-      <p:sp>
-        <p:nvSpPr>
-          <p:cNvPr id="3" name="2 Marcador de contenido"/>
-          <p:cNvSpPr>
-            <a:spLocks noGrp="1"/>
-          </p:cNvSpPr>
-          <p:nvPr>
-            <p:ph idx="1"/>
-          </p:nvPr>
-        </p:nvSpPr>
-        <p:spPr>
-          <a:xfrm>
-            <a:off x="1101991" y="1052736"/>
-            <a:ext cx="7926898" cy="5544616"/>
-          </a:xfrm>
-        </p:spPr>
-        <p:txBody>
-          <a:bodyPr>
-            <a:normAutofit/>
-          </a:bodyPr>
-          <a:lstStyle/>
-          <a:p>
-            <a:pPr marL="82296" indent="0" algn="just">
-              <a:buNone/>
-            </a:pPr>
-            <a:r>
-              <a:rPr lang="es-ES" dirty="0"/>
-              <a:t>Instalación </a:t>
-            </a:r>
-            <a:r>
-              <a:rPr lang="es-ES" dirty="0" err="1"/>
-              <a:t>DomU</a:t>
-            </a:r>
-            <a:r>
-              <a:rPr lang="es-ES" dirty="0"/>
-              <a:t> </a:t>
-            </a:r>
-            <a:r>
-              <a:rPr lang="es-ES" dirty="0" err="1"/>
-              <a:t>xen-tools</a:t>
-            </a:r>
-            <a:r>
-              <a:rPr lang="es-ES" dirty="0"/>
-              <a:t>:</a:t>
-            </a:r>
-          </a:p>
-          <a:p>
-            <a:pPr marL="82296" indent="0" algn="r">
-              <a:buNone/>
-            </a:pPr>
-            <a:r>
-              <a:rPr lang="es-ES" i="1" dirty="0" err="1"/>
-              <a:t>xen-create-image</a:t>
-            </a:r>
-            <a:r>
-              <a:rPr lang="es-ES" i="1" dirty="0"/>
-              <a:t> –</a:t>
-            </a:r>
-            <a:r>
-              <a:rPr lang="es-ES" i="1" dirty="0" err="1"/>
-              <a:t>hostname</a:t>
-            </a:r>
-            <a:r>
-              <a:rPr lang="es-ES" i="1" dirty="0"/>
-              <a:t>=prueba</a:t>
-            </a:r>
-          </a:p>
-          <a:p>
-            <a:pPr marL="82296" indent="0" algn="r">
-              <a:buNone/>
-            </a:pPr>
-            <a:r>
-              <a:rPr lang="es-ES" i="1" dirty="0" err="1"/>
-              <a:t>xm</a:t>
-            </a:r>
-            <a:r>
-              <a:rPr lang="es-ES" i="1" dirty="0"/>
-              <a:t> </a:t>
-            </a:r>
-            <a:r>
-              <a:rPr lang="es-ES" i="1" dirty="0" err="1"/>
-              <a:t>create</a:t>
-            </a:r>
-            <a:r>
-              <a:rPr lang="es-ES" i="1" dirty="0"/>
-              <a:t> –c /</a:t>
-            </a:r>
-            <a:r>
-              <a:rPr lang="es-ES" i="1" dirty="0" err="1"/>
-              <a:t>etc</a:t>
-            </a:r>
-            <a:r>
-              <a:rPr lang="es-ES" i="1" dirty="0"/>
-              <a:t>/</a:t>
-            </a:r>
-            <a:r>
-              <a:rPr lang="es-ES" i="1" dirty="0" err="1"/>
-              <a:t>xen</a:t>
-            </a:r>
-            <a:r>
-              <a:rPr lang="es-ES" i="1" dirty="0"/>
-              <a:t>/</a:t>
-            </a:r>
-            <a:r>
-              <a:rPr lang="es-ES" i="1" dirty="0" err="1"/>
-              <a:t>prueba.cfg</a:t>
-            </a:r>
-            <a:endParaRPr lang="es-ES" i="1" dirty="0"/>
-          </a:p>
-          <a:p>
-            <a:pPr marL="82296" indent="0" algn="r">
-              <a:buNone/>
-            </a:pPr>
-            <a:r>
-              <a:rPr lang="es-ES" sz="1400" dirty="0"/>
-              <a:t>Pasar a DHCP en /</a:t>
-            </a:r>
-            <a:r>
-              <a:rPr lang="es-ES" sz="1400" dirty="0" err="1"/>
-              <a:t>etc</a:t>
-            </a:r>
-            <a:r>
-              <a:rPr lang="es-ES" sz="1400" dirty="0"/>
-              <a:t>/</a:t>
-            </a:r>
-            <a:r>
-              <a:rPr lang="es-ES" sz="1400" dirty="0" err="1"/>
-              <a:t>network</a:t>
-            </a:r>
-            <a:r>
-              <a:rPr lang="es-ES" sz="1400" dirty="0"/>
-              <a:t>/interfaces</a:t>
-            </a:r>
-          </a:p>
-          <a:p>
-            <a:pPr marL="82296" indent="0">
-              <a:buNone/>
-            </a:pPr>
-            <a:r>
-              <a:rPr lang="es-ES" dirty="0"/>
-              <a:t>Creación de </a:t>
-            </a:r>
-            <a:r>
-              <a:rPr lang="es-ES" dirty="0" err="1"/>
-              <a:t>Snapshot</a:t>
-            </a:r>
-            <a:endParaRPr lang="es-ES" dirty="0"/>
-          </a:p>
-          <a:p>
-            <a:pPr marL="82296" indent="0">
-              <a:buNone/>
-            </a:pPr>
-            <a:r>
-              <a:rPr lang="es-ES" sz="1800" dirty="0"/>
-              <a:t>Permite crear un nuevo volumen lógico a partir de otro base previamente creado.</a:t>
-            </a:r>
-          </a:p>
-          <a:p>
-            <a:pPr marL="82296" indent="0" algn="r">
-              <a:buNone/>
-            </a:pPr>
-            <a:r>
-              <a:rPr lang="es-ES" i="1" dirty="0" err="1"/>
-              <a:t>lvcreate</a:t>
-            </a:r>
-            <a:r>
-              <a:rPr lang="es-ES" i="1" dirty="0"/>
-              <a:t> -L5Gi -s -n </a:t>
-            </a:r>
-            <a:r>
-              <a:rPr lang="es-ES" i="1" dirty="0" err="1"/>
-              <a:t>vmdisk</a:t>
-            </a:r>
-            <a:r>
-              <a:rPr lang="es-ES" i="1" dirty="0"/>
-              <a:t> /</a:t>
-            </a:r>
-            <a:r>
-              <a:rPr lang="es-ES" i="1" dirty="0" err="1"/>
-              <a:t>dev</a:t>
-            </a:r>
-            <a:r>
-              <a:rPr lang="es-ES" i="1" dirty="0"/>
-              <a:t>/vol1/base</a:t>
-            </a:r>
-          </a:p>
-          <a:p>
-            <a:pPr marL="82296" indent="0">
-              <a:buNone/>
-            </a:pPr>
-            <a:r>
-              <a:rPr lang="es-ES" dirty="0"/>
-              <a:t>Creación de imagen comprimida</a:t>
-            </a:r>
-          </a:p>
-          <a:p>
-            <a:pPr marL="82296" indent="0">
-              <a:buNone/>
-            </a:pPr>
-            <a:r>
-              <a:rPr lang="es-ES" sz="1800" dirty="0"/>
-              <a:t>Crea un disco comprimido a partir de un volumen lógico</a:t>
-            </a:r>
-          </a:p>
-          <a:p>
-            <a:pPr marL="82296" indent="0" algn="r">
-              <a:buNone/>
-            </a:pPr>
-            <a:r>
-              <a:rPr lang="es-ES" i="1" dirty="0" err="1"/>
-              <a:t>lvcreate</a:t>
-            </a:r>
-            <a:r>
-              <a:rPr lang="es-ES" i="1" dirty="0"/>
-              <a:t> -L5Gi -s -n disco1 /</a:t>
-            </a:r>
-            <a:r>
-              <a:rPr lang="es-ES" i="1" dirty="0" err="1"/>
-              <a:t>dev</a:t>
-            </a:r>
-            <a:r>
-              <a:rPr lang="es-ES" i="1" dirty="0"/>
-              <a:t>/vol1/base</a:t>
-            </a:r>
-          </a:p>
-          <a:p>
-            <a:pPr marL="82296" indent="0" algn="r">
-              <a:buNone/>
-            </a:pPr>
-            <a:r>
-              <a:rPr lang="es-ES" i="1" dirty="0" err="1"/>
-              <a:t>dd</a:t>
-            </a:r>
-            <a:r>
-              <a:rPr lang="es-ES" i="1" dirty="0"/>
-              <a:t> </a:t>
-            </a:r>
-            <a:r>
-              <a:rPr lang="es-ES" i="1" dirty="0" err="1"/>
-              <a:t>if</a:t>
-            </a:r>
-            <a:r>
-              <a:rPr lang="es-ES" i="1" dirty="0"/>
-              <a:t>=/</a:t>
-            </a:r>
-            <a:r>
-              <a:rPr lang="es-ES" i="1" dirty="0" err="1"/>
-              <a:t>dev</a:t>
-            </a:r>
-            <a:r>
-              <a:rPr lang="es-ES" i="1" dirty="0"/>
-              <a:t>/vol1/disco1 | </a:t>
-            </a:r>
-            <a:r>
-              <a:rPr lang="es-ES" i="1" dirty="0" err="1"/>
-              <a:t>gzip</a:t>
-            </a:r>
-            <a:r>
-              <a:rPr lang="es-ES" i="1" dirty="0"/>
-              <a:t>&gt;backup.img.gz</a:t>
-            </a:r>
-          </a:p>
-          <a:p>
-            <a:pPr marL="82296" indent="0">
-              <a:buNone/>
-            </a:pPr>
-            <a:endParaRPr lang="es-ES" dirty="0"/>
-          </a:p>
-          <a:p>
-            <a:pPr marL="82296" indent="0" algn="just">
-              <a:buNone/>
-            </a:pPr>
-            <a:endParaRPr lang="es-ES" dirty="0"/>
-          </a:p>
-        </p:txBody>
-      </p:sp>
-    </p:spTree>
-    <p:extLst>
-      <p:ext uri="{BB962C8B-B14F-4D97-AF65-F5344CB8AC3E}">
-        <p14:creationId xmlns:p14="http://schemas.microsoft.com/office/powerpoint/2010/main" val="1264646650"/>
-      </p:ext>
-    </p:extLst>
-  </p:cSld>
-  <p:clrMapOvr>
-    <a:masterClrMapping/>
-  </p:clrMapOvr>
-</p:sld>
-</file>
-
-<file path=ppt/slides/slide21.xml><?xml version="1.0" encoding="utf-8"?>
-<p:sld xmlns:a="http://schemas.openxmlformats.org/drawingml/2006/main" xmlns:r="http://schemas.openxmlformats.org/officeDocument/2006/relationships" xmlns:p="http://schemas.openxmlformats.org/presentationml/2006/main">
-  <p:cSld>
-    <p:spTree>
-      <p:nvGrpSpPr>
-        <p:cNvPr id="1" name=""/>
-        <p:cNvGrpSpPr/>
-        <p:nvPr/>
-      </p:nvGrpSpPr>
-      <p:grpSpPr>
-        <a:xfrm>
-          <a:off x="0" y="0"/>
-          <a:ext cx="0" cy="0"/>
-          <a:chOff x="0" y="0"/>
-          <a:chExt cx="0" cy="0"/>
-        </a:xfrm>
-      </p:grpSpPr>
-      <p:sp>
-        <p:nvSpPr>
-          <p:cNvPr id="2" name="1 Título"/>
-          <p:cNvSpPr>
-            <a:spLocks noGrp="1"/>
-          </p:cNvSpPr>
-          <p:nvPr>
-            <p:ph type="title"/>
-          </p:nvPr>
-        </p:nvSpPr>
-        <p:spPr>
-          <a:xfrm>
-            <a:off x="1331640" y="260648"/>
-            <a:ext cx="7467600" cy="562074"/>
-          </a:xfrm>
-        </p:spPr>
-        <p:style>
-          <a:lnRef idx="2">
-            <a:schemeClr val="dk1"/>
-          </a:lnRef>
-          <a:fillRef idx="1">
-            <a:schemeClr val="lt1"/>
-          </a:fillRef>
-          <a:effectRef idx="0">
-            <a:schemeClr val="dk1"/>
-          </a:effectRef>
-          <a:fontRef idx="minor">
-            <a:schemeClr val="dk1"/>
-          </a:fontRef>
-        </p:style>
-        <p:txBody>
-          <a:bodyPr>
-            <a:normAutofit fontScale="90000"/>
-          </a:bodyPr>
-          <a:lstStyle/>
-          <a:p>
-            <a:pPr algn="ctr"/>
-            <a:r>
-              <a:rPr lang="es-ES" b="1" dirty="0"/>
-              <a:t>2.2 </a:t>
-            </a:r>
-            <a:r>
-              <a:rPr lang="es-ES" b="1" dirty="0" err="1"/>
-              <a:t>DomU</a:t>
-            </a:r>
-            <a:r>
-              <a:rPr lang="es-ES" b="1" dirty="0"/>
-              <a:t> </a:t>
-            </a:r>
-            <a:r>
-              <a:rPr lang="es-ES" b="1" dirty="0" err="1"/>
-              <a:t>Instalation</a:t>
-            </a:r>
-            <a:endParaRPr lang="es-ES" b="1" dirty="0"/>
-          </a:p>
-        </p:txBody>
-      </p:sp>
-      <p:sp>
-        <p:nvSpPr>
-          <p:cNvPr id="3" name="2 Marcador de contenido"/>
-          <p:cNvSpPr>
-            <a:spLocks noGrp="1"/>
-          </p:cNvSpPr>
-          <p:nvPr>
-            <p:ph idx="1"/>
-          </p:nvPr>
-        </p:nvSpPr>
-        <p:spPr>
-          <a:xfrm>
-            <a:off x="1101991" y="1052736"/>
-            <a:ext cx="7926898" cy="5544616"/>
-          </a:xfrm>
-        </p:spPr>
-        <p:txBody>
-          <a:bodyPr>
-            <a:normAutofit/>
-          </a:bodyPr>
-          <a:lstStyle/>
-          <a:p>
-            <a:pPr marL="82296" indent="0" algn="just">
-              <a:buNone/>
-            </a:pPr>
-            <a:r>
-              <a:rPr lang="es-ES" dirty="0"/>
-              <a:t>Restaurar copia a fichero monolítico:</a:t>
-            </a:r>
-          </a:p>
-          <a:p>
-            <a:pPr marL="82296" indent="0" algn="r">
-              <a:buNone/>
-            </a:pPr>
-            <a:r>
-              <a:rPr lang="es-ES" i="1" dirty="0"/>
-              <a:t>Basta con descomprimir </a:t>
-            </a:r>
-            <a:r>
-              <a:rPr lang="es-ES" i="1" dirty="0" err="1"/>
-              <a:t>backup.img</a:t>
-            </a:r>
-            <a:endParaRPr lang="es-ES" i="1" dirty="0"/>
-          </a:p>
-          <a:p>
-            <a:pPr marL="82296" indent="0">
-              <a:buNone/>
-            </a:pPr>
-            <a:r>
-              <a:rPr lang="es-ES" dirty="0"/>
-              <a:t>Creación de </a:t>
-            </a:r>
-            <a:r>
-              <a:rPr lang="es-ES" dirty="0" err="1"/>
-              <a:t>DomU</a:t>
-            </a:r>
-            <a:r>
-              <a:rPr lang="es-ES" dirty="0"/>
-              <a:t> desde fichero</a:t>
-            </a:r>
-          </a:p>
-          <a:p>
-            <a:pPr marL="82296" indent="0">
-              <a:buNone/>
-            </a:pPr>
-            <a:r>
-              <a:rPr lang="es-ES" sz="1800" dirty="0"/>
-              <a:t>Crear un nuevo fichero </a:t>
-            </a:r>
-            <a:r>
-              <a:rPr lang="es-ES" sz="1800" dirty="0" err="1"/>
-              <a:t>backup.cfg</a:t>
-            </a:r>
-            <a:r>
-              <a:rPr lang="es-ES" sz="1800" dirty="0"/>
-              <a:t> a partir de alguno de los anteriores y sustituir configuración del disco y nombre</a:t>
-            </a:r>
-          </a:p>
-          <a:p>
-            <a:pPr marL="82296" indent="0" algn="r">
-              <a:buNone/>
-            </a:pPr>
-            <a:r>
-              <a:rPr lang="es-ES" sz="2400" i="1" dirty="0"/>
-              <a:t>disk = [</a:t>
-            </a:r>
-            <a:r>
-              <a:rPr lang="nn-NO" sz="2400" i="1" dirty="0"/>
-              <a:t>’file:/backup.img,xvda1,w’, ]</a:t>
-            </a:r>
-          </a:p>
-          <a:p>
-            <a:pPr marL="82296" indent="0" algn="r">
-              <a:buNone/>
-            </a:pPr>
-            <a:r>
-              <a:rPr lang="es-ES" sz="2400" i="1" dirty="0" err="1"/>
-              <a:t>name</a:t>
-            </a:r>
-            <a:r>
-              <a:rPr lang="es-ES" sz="2400" i="1" dirty="0"/>
-              <a:t> =’</a:t>
-            </a:r>
-            <a:r>
-              <a:rPr lang="es-ES" sz="2400" i="1" dirty="0" err="1"/>
-              <a:t>backup</a:t>
-            </a:r>
-            <a:r>
-              <a:rPr lang="es-ES" sz="2400" i="1" dirty="0"/>
-              <a:t>’</a:t>
-            </a:r>
-          </a:p>
-          <a:p>
-            <a:pPr marL="82296" indent="0">
-              <a:buNone/>
-            </a:pPr>
-            <a:r>
-              <a:rPr lang="es-ES" dirty="0"/>
-              <a:t>Arrancar la máquina creada</a:t>
-            </a:r>
-          </a:p>
-          <a:p>
-            <a:pPr marL="82296" indent="0" algn="r">
-              <a:buNone/>
-            </a:pPr>
-            <a:r>
-              <a:rPr lang="es-ES" i="1" dirty="0" err="1"/>
-              <a:t>xm</a:t>
-            </a:r>
-            <a:r>
-              <a:rPr lang="es-ES" i="1" dirty="0"/>
-              <a:t> </a:t>
-            </a:r>
-            <a:r>
-              <a:rPr lang="es-ES" i="1" dirty="0" err="1"/>
-              <a:t>create</a:t>
-            </a:r>
-            <a:r>
-              <a:rPr lang="es-ES" i="1" dirty="0"/>
-              <a:t> –c </a:t>
-            </a:r>
-            <a:r>
-              <a:rPr lang="es-ES" i="1" dirty="0" err="1"/>
-              <a:t>backup.cfg</a:t>
-            </a:r>
-            <a:endParaRPr lang="es-ES" i="1" dirty="0"/>
-          </a:p>
-          <a:p>
-            <a:pPr marL="82296" indent="0" algn="just">
-              <a:buNone/>
-            </a:pPr>
-            <a:endParaRPr lang="es-ES" dirty="0"/>
-          </a:p>
-        </p:txBody>
-      </p:sp>
-    </p:spTree>
-    <p:extLst>
-      <p:ext uri="{BB962C8B-B14F-4D97-AF65-F5344CB8AC3E}">
-        <p14:creationId xmlns:p14="http://schemas.microsoft.com/office/powerpoint/2010/main" val="2525206213"/>
-      </p:ext>
-    </p:extLst>
-  </p:cSld>
-  <p:clrMapOvr>
-    <a:masterClrMapping/>
-  </p:clrMapOvr>
-</p:sld>
-</file>
-
-<file path=ppt/slides/slide22.xml><?xml version="1.0" encoding="utf-8"?>
 <p:sld xmlns:a="http://schemas.openxmlformats.org/drawingml/2006/main" xmlns:r="http://schemas.openxmlformats.org/officeDocument/2006/relationships" xmlns:p="http://schemas.openxmlformats.org/presentationml/2006/main">
   <p:cSld>
     <p:spTree>
@@ -10184,7 +9550,7 @@
 </p:sld>
 </file>
 
-<file path=ppt/slides/slide23.xml><?xml version="1.0" encoding="utf-8"?>
+<file path=ppt/slides/slide21.xml><?xml version="1.0" encoding="utf-8"?>
 <p:sld xmlns:a="http://schemas.openxmlformats.org/drawingml/2006/main" xmlns:r="http://schemas.openxmlformats.org/officeDocument/2006/relationships" xmlns:p="http://schemas.openxmlformats.org/presentationml/2006/main">
   <p:cSld>
     <p:spTree>
@@ -10567,7 +9933,7 @@
 </p:sld>
 </file>
 
-<file path=ppt/slides/slide24.xml><?xml version="1.0" encoding="utf-8"?>
+<file path=ppt/slides/slide22.xml><?xml version="1.0" encoding="utf-8"?>
 <p:sld xmlns:a="http://schemas.openxmlformats.org/drawingml/2006/main" xmlns:r="http://schemas.openxmlformats.org/officeDocument/2006/relationships" xmlns:p="http://schemas.openxmlformats.org/presentationml/2006/main">
   <p:cSld>
     <p:spTree>
@@ -10671,29 +10037,14 @@
               <a:buNone/>
             </a:pPr>
             <a:r>
-              <a:rPr lang="es-ES" sz="1800" dirty="0"/>
-              <a:t>Añadir a los repositorios una entrada para </a:t>
-            </a:r>
-            <a:r>
-              <a:rPr lang="es-ES" sz="1800" dirty="0" err="1"/>
-              <a:t>backports</a:t>
-            </a:r>
-            <a:r>
-              <a:rPr lang="es-ES" sz="1800" dirty="0"/>
-              <a:t> y ejecutar el siguiente comando para instalar el </a:t>
-            </a:r>
-            <a:r>
-              <a:rPr lang="es-ES" sz="1800" dirty="0" err="1"/>
-              <a:t>kernel</a:t>
-            </a:r>
-            <a:endParaRPr lang="es-ES" sz="1800" dirty="0"/>
-          </a:p>
-          <a:p>
-            <a:pPr algn="just"/>
-            <a:r>
-              <a:rPr lang="en-US" sz="1800" dirty="0"/>
-              <a:t>apt-get -t wheezy-backports install linuximage-3.16.0-0.bpo.4-amd64</a:t>
-            </a:r>
+              <a:rPr lang="es-ES" dirty="0"/>
+              <a:t>Una vez arrancadas las 3 máquinas lanzamos pruebas con </a:t>
+            </a:r>
+            <a:r>
+              <a:rPr lang="es-ES" dirty="0" err="1"/>
+              <a:t>SPECcpu</a:t>
+            </a:r>
+            <a:endParaRPr lang="es-ES" dirty="0"/>
           </a:p>
           <a:p>
             <a:pPr marL="82296" indent="0" algn="just">
@@ -10701,230 +10052,198 @@
             </a:pPr>
             <a:endParaRPr lang="es-ES" dirty="0"/>
           </a:p>
-          <a:p>
-            <a:pPr marL="82296" indent="0" algn="just">
-              <a:buNone/>
-            </a:pPr>
-            <a:r>
-              <a:rPr lang="es-ES" dirty="0"/>
-              <a:t>PV-GRUB</a:t>
-            </a:r>
-          </a:p>
-          <a:p>
-            <a:pPr marL="82296" indent="0" algn="just">
-              <a:buNone/>
-            </a:pPr>
-            <a:r>
-              <a:rPr lang="es-ES" sz="1800" dirty="0"/>
-              <a:t>Permite a las </a:t>
-            </a:r>
-            <a:r>
-              <a:rPr lang="es-ES" sz="1800" dirty="0" err="1"/>
-              <a:t>DomU</a:t>
-            </a:r>
-            <a:r>
-              <a:rPr lang="es-ES" sz="1800" dirty="0"/>
-              <a:t> utilizar un </a:t>
-            </a:r>
-            <a:r>
-              <a:rPr lang="es-ES" sz="1800" dirty="0" err="1"/>
-              <a:t>kernel</a:t>
-            </a:r>
-            <a:r>
-              <a:rPr lang="es-ES" sz="1800" dirty="0"/>
-              <a:t> distinto al de la Dom0. Arranca la </a:t>
-            </a:r>
-            <a:r>
-              <a:rPr lang="es-ES" sz="1800" dirty="0" err="1"/>
-              <a:t>DomU</a:t>
-            </a:r>
-            <a:r>
-              <a:rPr lang="es-ES" sz="1800" dirty="0"/>
-              <a:t> desde la Dom0 que apunta al </a:t>
-            </a:r>
-            <a:r>
-              <a:rPr lang="es-ES" sz="1800" dirty="0" err="1"/>
-              <a:t>Grub</a:t>
-            </a:r>
-            <a:r>
-              <a:rPr lang="es-ES" sz="1800" dirty="0"/>
-              <a:t> de la </a:t>
-            </a:r>
-            <a:r>
-              <a:rPr lang="es-ES" sz="1800" dirty="0" err="1"/>
-              <a:t>DomU</a:t>
-            </a:r>
-            <a:r>
-              <a:rPr lang="es-ES" sz="1800" dirty="0"/>
-              <a:t> que finalmente enlaza con el </a:t>
-            </a:r>
-            <a:r>
-              <a:rPr lang="es-ES" sz="1800" dirty="0" err="1"/>
-              <a:t>kernel</a:t>
-            </a:r>
-            <a:r>
-              <a:rPr lang="es-ES" sz="1800" dirty="0"/>
-              <a:t> dentro de esta última.</a:t>
-            </a:r>
-          </a:p>
-          <a:p>
-            <a:pPr marL="82296" indent="0" algn="just">
-              <a:buNone/>
-            </a:pPr>
-            <a:endParaRPr lang="es-ES" dirty="0"/>
-          </a:p>
-        </p:txBody>
-      </p:sp>
-      <p:sp>
-        <p:nvSpPr>
-          <p:cNvPr id="4" name="Rectangle 3"/>
-          <p:cNvSpPr/>
+        </p:txBody>
+      </p:sp>
+      <p:pic>
+        <p:nvPicPr>
+          <p:cNvPr id="6" name="Picture 5"/>
+          <p:cNvPicPr>
+            <a:picLocks noChangeAspect="1"/>
+          </p:cNvPicPr>
           <p:nvPr/>
-        </p:nvSpPr>
+        </p:nvPicPr>
+        <p:blipFill>
+          <a:blip r:embed="rId2"/>
+          <a:stretch>
+            <a:fillRect/>
+          </a:stretch>
+        </p:blipFill>
         <p:spPr>
           <a:xfrm>
-            <a:off x="2987824" y="4869160"/>
-            <a:ext cx="4572000" cy="1477328"/>
+            <a:off x="1443125" y="3212976"/>
+            <a:ext cx="7579579" cy="2779179"/>
           </a:xfrm>
           <a:prstGeom prst="rect">
             <a:avLst/>
           </a:prstGeom>
         </p:spPr>
-        <p:txBody>
-          <a:bodyPr>
+      </p:pic>
+      <p:sp>
+        <p:nvSpPr>
+          <p:cNvPr id="14" name="Rectangle 13"/>
+          <p:cNvSpPr/>
+          <p:nvPr/>
+        </p:nvSpPr>
+        <p:spPr>
+          <a:xfrm>
+            <a:off x="7668344" y="5902338"/>
+            <a:ext cx="744114" cy="261610"/>
+          </a:xfrm>
+          <a:prstGeom prst="rect">
+            <a:avLst/>
+          </a:prstGeom>
+        </p:spPr>
+        <p:txBody>
+          <a:bodyPr wrap="none">
             <a:spAutoFit/>
           </a:bodyPr>
           <a:lstStyle/>
           <a:p>
-            <a:r>
-              <a:rPr lang="es-ES" dirty="0" err="1">
-                <a:latin typeface="SFTI1000"/>
+            <a:pPr marL="82296" indent="0" algn="just">
+              <a:buNone/>
+            </a:pPr>
+            <a:r>
+              <a:rPr lang="es-ES" sz="1100" b="1" dirty="0">
+                <a:solidFill>
+                  <a:srgbClr val="FF0000"/>
+                </a:solidFill>
+                <a:latin typeface="Segoe UI" panose="020B0502040204020203" pitchFamily="34" charset="0"/>
               </a:rPr>
-              <a:t>kernel</a:t>
-            </a:r>
-            <a:r>
-              <a:rPr lang="es-ES" dirty="0">
-                <a:latin typeface="SFTI1000"/>
+              <a:t>CAP 50</a:t>
+            </a:r>
+            <a:endParaRPr lang="es-ES" sz="1100" b="1" dirty="0">
+              <a:solidFill>
+                <a:srgbClr val="FF0000"/>
+              </a:solidFill>
+            </a:endParaRPr>
+          </a:p>
+        </p:txBody>
+      </p:sp>
+      <p:sp>
+        <p:nvSpPr>
+          <p:cNvPr id="15" name="Rectangle 14"/>
+          <p:cNvSpPr/>
+          <p:nvPr/>
+        </p:nvSpPr>
+        <p:spPr>
+          <a:xfrm>
+            <a:off x="4891164" y="5902338"/>
+            <a:ext cx="825867" cy="261610"/>
+          </a:xfrm>
+          <a:prstGeom prst="rect">
+            <a:avLst/>
+          </a:prstGeom>
+        </p:spPr>
+        <p:txBody>
+          <a:bodyPr wrap="none">
+            <a:spAutoFit/>
+          </a:bodyPr>
+          <a:lstStyle/>
+          <a:p>
+            <a:pPr marL="82296" indent="0" algn="just">
+              <a:buNone/>
+            </a:pPr>
+            <a:r>
+              <a:rPr lang="es-ES" sz="1100" b="1" dirty="0">
+                <a:solidFill>
+                  <a:srgbClr val="FF0000"/>
+                </a:solidFill>
+                <a:latin typeface="Segoe UI" panose="020B0502040204020203" pitchFamily="34" charset="0"/>
               </a:rPr>
-              <a:t> =’/</a:t>
-            </a:r>
-            <a:r>
-              <a:rPr lang="es-ES" dirty="0" err="1">
-                <a:latin typeface="SFTI1000"/>
+              <a:t>CAP 100</a:t>
+            </a:r>
+            <a:endParaRPr lang="es-ES" sz="1100" b="1" dirty="0">
+              <a:solidFill>
+                <a:srgbClr val="FF0000"/>
+              </a:solidFill>
+            </a:endParaRPr>
+          </a:p>
+        </p:txBody>
+      </p:sp>
+      <p:sp>
+        <p:nvSpPr>
+          <p:cNvPr id="16" name="Rectangle 15"/>
+          <p:cNvSpPr/>
+          <p:nvPr/>
+        </p:nvSpPr>
+        <p:spPr>
+          <a:xfrm>
+            <a:off x="6369255" y="5902338"/>
+            <a:ext cx="662361" cy="261610"/>
+          </a:xfrm>
+          <a:prstGeom prst="rect">
+            <a:avLst/>
+          </a:prstGeom>
+        </p:spPr>
+        <p:txBody>
+          <a:bodyPr wrap="none">
+            <a:spAutoFit/>
+          </a:bodyPr>
+          <a:lstStyle/>
+          <a:p>
+            <a:pPr marL="82296" indent="0" algn="just">
+              <a:buNone/>
+            </a:pPr>
+            <a:r>
+              <a:rPr lang="es-ES" sz="1100" b="1" dirty="0">
+                <a:solidFill>
+                  <a:srgbClr val="FF0000"/>
+                </a:solidFill>
+                <a:latin typeface="Segoe UI" panose="020B0502040204020203" pitchFamily="34" charset="0"/>
               </a:rPr>
-              <a:t>boot</a:t>
-            </a:r>
-            <a:r>
-              <a:rPr lang="es-ES" dirty="0">
-                <a:latin typeface="SFTI1000"/>
-              </a:rPr>
-              <a:t>/pv-grub-x86_64.gz’</a:t>
-            </a:r>
-          </a:p>
-          <a:p>
-            <a:r>
-              <a:rPr lang="es-ES" dirty="0">
-                <a:latin typeface="SFTI1000"/>
-              </a:rPr>
-              <a:t>extra =’(hd0)/</a:t>
-            </a:r>
-            <a:r>
-              <a:rPr lang="es-ES" dirty="0" err="1">
-                <a:latin typeface="SFTI1000"/>
-              </a:rPr>
-              <a:t>boot</a:t>
-            </a:r>
-            <a:r>
-              <a:rPr lang="es-ES" dirty="0">
-                <a:latin typeface="SFTI1000"/>
-              </a:rPr>
-              <a:t>/</a:t>
-            </a:r>
-            <a:r>
-              <a:rPr lang="es-ES" dirty="0" err="1">
-                <a:latin typeface="SFTI1000"/>
-              </a:rPr>
-              <a:t>grub</a:t>
-            </a:r>
-            <a:r>
-              <a:rPr lang="es-ES" dirty="0">
-                <a:latin typeface="SFTI1000"/>
-              </a:rPr>
-              <a:t>/</a:t>
-            </a:r>
-            <a:r>
-              <a:rPr lang="es-ES" dirty="0" err="1">
-                <a:latin typeface="SFTI1000"/>
-              </a:rPr>
-              <a:t>Prueba.cfg</a:t>
-            </a:r>
-            <a:r>
-              <a:rPr lang="es-ES" dirty="0">
-                <a:latin typeface="SFTI1000"/>
-              </a:rPr>
-              <a:t>’</a:t>
-            </a:r>
-          </a:p>
-          <a:p>
-            <a:r>
-              <a:rPr lang="es-ES" dirty="0" err="1">
-                <a:latin typeface="SFTI1000"/>
-              </a:rPr>
-              <a:t>vcpus</a:t>
-            </a:r>
-            <a:r>
-              <a:rPr lang="es-ES" dirty="0">
-                <a:latin typeface="SFTI1000"/>
-              </a:rPr>
-              <a:t> =  ’1’</a:t>
-            </a:r>
-          </a:p>
-          <a:p>
-            <a:r>
-              <a:rPr lang="es-ES" dirty="0" err="1">
-                <a:latin typeface="SFTI1000"/>
-              </a:rPr>
-              <a:t>memory</a:t>
-            </a:r>
-            <a:r>
-              <a:rPr lang="es-ES" dirty="0">
-                <a:latin typeface="SFTI1000"/>
-              </a:rPr>
-              <a:t> = ’256’</a:t>
-            </a:r>
-          </a:p>
-          <a:p>
-            <a:r>
-              <a:rPr lang="es-ES" dirty="0">
-                <a:latin typeface="SFTI1000"/>
-              </a:rPr>
-              <a:t>disk = [’</a:t>
-            </a:r>
-            <a:r>
-              <a:rPr lang="es-ES" dirty="0" err="1">
-                <a:latin typeface="SFTI1000"/>
-              </a:rPr>
-              <a:t>phy</a:t>
-            </a:r>
-            <a:r>
-              <a:rPr lang="es-ES" dirty="0">
-                <a:latin typeface="SFTI1000"/>
-              </a:rPr>
-              <a:t>:/</a:t>
-            </a:r>
-            <a:r>
-              <a:rPr lang="es-ES" dirty="0" err="1">
-                <a:latin typeface="SFTI1000"/>
-              </a:rPr>
-              <a:t>dev</a:t>
-            </a:r>
-            <a:r>
-              <a:rPr lang="es-ES" dirty="0">
-                <a:latin typeface="SFTI1000"/>
-              </a:rPr>
-              <a:t>/vol1/base,xvda1,w’, ]</a:t>
-            </a:r>
-            <a:endParaRPr lang="es-ES" dirty="0"/>
+              <a:t>CAP 0</a:t>
+            </a:r>
+            <a:endParaRPr lang="es-ES" sz="1100" b="1" dirty="0">
+              <a:solidFill>
+                <a:srgbClr val="FF0000"/>
+              </a:solidFill>
+            </a:endParaRPr>
+          </a:p>
+        </p:txBody>
+      </p:sp>
+      <p:sp>
+        <p:nvSpPr>
+          <p:cNvPr id="17" name="Rectangle: Rounded Corners 16"/>
+          <p:cNvSpPr/>
+          <p:nvPr/>
+        </p:nvSpPr>
+        <p:spPr>
+          <a:xfrm>
+            <a:off x="4891164" y="5589240"/>
+            <a:ext cx="3641276" cy="574708"/>
+          </a:xfrm>
+          <a:prstGeom prst="roundRect">
+            <a:avLst/>
+          </a:prstGeom>
+          <a:noFill/>
+          <a:ln w="38100">
+            <a:solidFill>
+              <a:srgbClr val="FF0000"/>
+            </a:solidFill>
+          </a:ln>
+        </p:spPr>
+        <p:style>
+          <a:lnRef idx="2">
+            <a:schemeClr val="accent1">
+              <a:shade val="50000"/>
+            </a:schemeClr>
+          </a:lnRef>
+          <a:fillRef idx="1">
+            <a:schemeClr val="accent1"/>
+          </a:fillRef>
+          <a:effectRef idx="0">
+            <a:schemeClr val="accent1"/>
+          </a:effectRef>
+          <a:fontRef idx="minor">
+            <a:schemeClr val="lt1"/>
+          </a:fontRef>
+        </p:style>
+        <p:txBody>
+          <a:bodyPr rtlCol="0" anchor="ctr"/>
+          <a:lstStyle/>
+          <a:p>
+            <a:pPr algn="ctr"/>
+            <a:endParaRPr lang="es-ES"/>
           </a:p>
         </p:txBody>
       </p:sp>
@@ -10941,329 +10260,7 @@
 </p:sld>
 </file>
 
-<file path=ppt/slides/slide25.xml><?xml version="1.0" encoding="utf-8"?>
-<p:sld xmlns:a="http://schemas.openxmlformats.org/drawingml/2006/main" xmlns:r="http://schemas.openxmlformats.org/officeDocument/2006/relationships" xmlns:p="http://schemas.openxmlformats.org/presentationml/2006/main">
-  <p:cSld>
-    <p:spTree>
-      <p:nvGrpSpPr>
-        <p:cNvPr id="1" name=""/>
-        <p:cNvGrpSpPr/>
-        <p:nvPr/>
-      </p:nvGrpSpPr>
-      <p:grpSpPr>
-        <a:xfrm>
-          <a:off x="0" y="0"/>
-          <a:ext cx="0" cy="0"/>
-          <a:chOff x="0" y="0"/>
-          <a:chExt cx="0" cy="0"/>
-        </a:xfrm>
-      </p:grpSpPr>
-      <p:sp>
-        <p:nvSpPr>
-          <p:cNvPr id="2" name="1 Título"/>
-          <p:cNvSpPr>
-            <a:spLocks noGrp="1"/>
-          </p:cNvSpPr>
-          <p:nvPr>
-            <p:ph type="title"/>
-          </p:nvPr>
-        </p:nvSpPr>
-        <p:spPr>
-          <a:xfrm>
-            <a:off x="1331640" y="260648"/>
-            <a:ext cx="7467600" cy="562074"/>
-          </a:xfrm>
-        </p:spPr>
-        <p:style>
-          <a:lnRef idx="2">
-            <a:schemeClr val="dk1"/>
-          </a:lnRef>
-          <a:fillRef idx="1">
-            <a:schemeClr val="lt1"/>
-          </a:fillRef>
-          <a:effectRef idx="0">
-            <a:schemeClr val="dk1"/>
-          </a:effectRef>
-          <a:fontRef idx="minor">
-            <a:schemeClr val="dk1"/>
-          </a:fontRef>
-        </p:style>
-        <p:txBody>
-          <a:bodyPr>
-            <a:normAutofit fontScale="90000"/>
-          </a:bodyPr>
-          <a:lstStyle/>
-          <a:p>
-            <a:pPr algn="ctr"/>
-            <a:r>
-              <a:rPr lang="es-ES" b="1" dirty="0"/>
-              <a:t>2.3 </a:t>
-            </a:r>
-            <a:r>
-              <a:rPr lang="es-ES" b="1" dirty="0" err="1"/>
-              <a:t>DomU</a:t>
-            </a:r>
-            <a:r>
-              <a:rPr lang="es-ES" b="1" dirty="0"/>
-              <a:t> Management</a:t>
-            </a:r>
-          </a:p>
-        </p:txBody>
-      </p:sp>
-      <p:sp>
-        <p:nvSpPr>
-          <p:cNvPr id="3" name="2 Marcador de contenido"/>
-          <p:cNvSpPr>
-            <a:spLocks noGrp="1"/>
-          </p:cNvSpPr>
-          <p:nvPr>
-            <p:ph idx="1"/>
-          </p:nvPr>
-        </p:nvSpPr>
-        <p:spPr>
-          <a:xfrm>
-            <a:off x="1101991" y="1052736"/>
-            <a:ext cx="7926898" cy="5544616"/>
-          </a:xfrm>
-        </p:spPr>
-        <p:txBody>
-          <a:bodyPr>
-            <a:normAutofit/>
-          </a:bodyPr>
-          <a:lstStyle/>
-          <a:p>
-            <a:pPr marL="82296" indent="0" algn="just">
-              <a:buNone/>
-            </a:pPr>
-            <a:r>
-              <a:rPr lang="es-ES" dirty="0" err="1"/>
-              <a:t>Runspec</a:t>
-            </a:r>
-            <a:r>
-              <a:rPr lang="es-ES" dirty="0"/>
-              <a:t> –</a:t>
-            </a:r>
-            <a:r>
-              <a:rPr lang="es-ES" dirty="0" err="1"/>
-              <a:t>action</a:t>
-            </a:r>
-            <a:r>
-              <a:rPr lang="es-ES" dirty="0"/>
-              <a:t>=</a:t>
-            </a:r>
-            <a:r>
-              <a:rPr lang="es-ES" dirty="0" err="1"/>
-              <a:t>build</a:t>
-            </a:r>
-            <a:r>
-              <a:rPr lang="es-ES" dirty="0"/>
-              <a:t> 453</a:t>
-            </a:r>
-          </a:p>
-          <a:p>
-            <a:pPr marL="82296" indent="0" algn="just">
-              <a:buNone/>
-            </a:pPr>
-            <a:endParaRPr lang="es-ES" dirty="0"/>
-          </a:p>
-        </p:txBody>
-      </p:sp>
-    </p:spTree>
-    <p:extLst>
-      <p:ext uri="{BB962C8B-B14F-4D97-AF65-F5344CB8AC3E}">
-        <p14:creationId xmlns:p14="http://schemas.microsoft.com/office/powerpoint/2010/main" val="4221976711"/>
-      </p:ext>
-    </p:extLst>
-  </p:cSld>
-  <p:clrMapOvr>
-    <a:masterClrMapping/>
-  </p:clrMapOvr>
-</p:sld>
-</file>
-
-<file path=ppt/slides/slide26.xml><?xml version="1.0" encoding="utf-8"?>
-<p:sld xmlns:a="http://schemas.openxmlformats.org/drawingml/2006/main" xmlns:r="http://schemas.openxmlformats.org/officeDocument/2006/relationships" xmlns:p="http://schemas.openxmlformats.org/presentationml/2006/main">
-  <p:cSld>
-    <p:spTree>
-      <p:nvGrpSpPr>
-        <p:cNvPr id="1" name=""/>
-        <p:cNvGrpSpPr/>
-        <p:nvPr/>
-      </p:nvGrpSpPr>
-      <p:grpSpPr>
-        <a:xfrm>
-          <a:off x="0" y="0"/>
-          <a:ext cx="0" cy="0"/>
-          <a:chOff x="0" y="0"/>
-          <a:chExt cx="0" cy="0"/>
-        </a:xfrm>
-      </p:grpSpPr>
-      <p:sp>
-        <p:nvSpPr>
-          <p:cNvPr id="2" name="1 Título"/>
-          <p:cNvSpPr>
-            <a:spLocks noGrp="1"/>
-          </p:cNvSpPr>
-          <p:nvPr>
-            <p:ph type="title"/>
-          </p:nvPr>
-        </p:nvSpPr>
-        <p:spPr>
-          <a:xfrm>
-            <a:off x="2123728" y="3212976"/>
-            <a:ext cx="5544616" cy="562074"/>
-          </a:xfrm>
-        </p:spPr>
-        <p:style>
-          <a:lnRef idx="2">
-            <a:schemeClr val="dk1"/>
-          </a:lnRef>
-          <a:fillRef idx="1">
-            <a:schemeClr val="lt1"/>
-          </a:fillRef>
-          <a:effectRef idx="0">
-            <a:schemeClr val="dk1"/>
-          </a:effectRef>
-          <a:fontRef idx="minor">
-            <a:schemeClr val="dk1"/>
-          </a:fontRef>
-        </p:style>
-        <p:txBody>
-          <a:bodyPr>
-            <a:normAutofit fontScale="90000"/>
-          </a:bodyPr>
-          <a:lstStyle/>
-          <a:p>
-            <a:pPr algn="ctr"/>
-            <a:r>
-              <a:rPr lang="es-ES" b="1" dirty="0"/>
-              <a:t>3.CONCLUSIONES</a:t>
-            </a:r>
-          </a:p>
-        </p:txBody>
-      </p:sp>
-    </p:spTree>
-    <p:extLst>
-      <p:ext uri="{BB962C8B-B14F-4D97-AF65-F5344CB8AC3E}">
-        <p14:creationId xmlns:p14="http://schemas.microsoft.com/office/powerpoint/2010/main" val="2312331452"/>
-      </p:ext>
-    </p:extLst>
-  </p:cSld>
-  <p:clrMapOvr>
-    <a:masterClrMapping/>
-  </p:clrMapOvr>
-</p:sld>
-</file>
-
-<file path=ppt/slides/slide27.xml><?xml version="1.0" encoding="utf-8"?>
-<p:sld xmlns:a="http://schemas.openxmlformats.org/drawingml/2006/main" xmlns:r="http://schemas.openxmlformats.org/officeDocument/2006/relationships" xmlns:p="http://schemas.openxmlformats.org/presentationml/2006/main">
-  <p:cSld>
-    <p:spTree>
-      <p:nvGrpSpPr>
-        <p:cNvPr id="1" name=""/>
-        <p:cNvGrpSpPr/>
-        <p:nvPr/>
-      </p:nvGrpSpPr>
-      <p:grpSpPr>
-        <a:xfrm>
-          <a:off x="0" y="0"/>
-          <a:ext cx="0" cy="0"/>
-          <a:chOff x="0" y="0"/>
-          <a:chExt cx="0" cy="0"/>
-        </a:xfrm>
-      </p:grpSpPr>
-      <p:sp>
-        <p:nvSpPr>
-          <p:cNvPr id="2" name="1 Título"/>
-          <p:cNvSpPr>
-            <a:spLocks noGrp="1"/>
-          </p:cNvSpPr>
-          <p:nvPr>
-            <p:ph type="title"/>
-          </p:nvPr>
-        </p:nvSpPr>
-        <p:spPr>
-          <a:xfrm>
-            <a:off x="1331640" y="246134"/>
-            <a:ext cx="7467600" cy="562074"/>
-          </a:xfrm>
-        </p:spPr>
-        <p:style>
-          <a:lnRef idx="2">
-            <a:schemeClr val="dk1"/>
-          </a:lnRef>
-          <a:fillRef idx="1">
-            <a:schemeClr val="lt1"/>
-          </a:fillRef>
-          <a:effectRef idx="0">
-            <a:schemeClr val="dk1"/>
-          </a:effectRef>
-          <a:fontRef idx="minor">
-            <a:schemeClr val="dk1"/>
-          </a:fontRef>
-        </p:style>
-        <p:txBody>
-          <a:bodyPr>
-            <a:normAutofit fontScale="90000"/>
-          </a:bodyPr>
-          <a:lstStyle/>
-          <a:p>
-            <a:pPr algn="ctr"/>
-            <a:r>
-              <a:rPr lang="en-GB" b="1" dirty="0"/>
-              <a:t>CONCLUSIONES</a:t>
-            </a:r>
-            <a:endParaRPr lang="es-ES" b="1" dirty="0"/>
-          </a:p>
-        </p:txBody>
-      </p:sp>
-      <p:sp>
-        <p:nvSpPr>
-          <p:cNvPr id="3" name="2 Marcador de contenido"/>
-          <p:cNvSpPr>
-            <a:spLocks noGrp="1"/>
-          </p:cNvSpPr>
-          <p:nvPr>
-            <p:ph idx="1"/>
-          </p:nvPr>
-        </p:nvSpPr>
-        <p:spPr>
-          <a:xfrm>
-            <a:off x="1141004" y="1091680"/>
-            <a:ext cx="7848872" cy="5760640"/>
-          </a:xfrm>
-        </p:spPr>
-        <p:txBody>
-          <a:bodyPr>
-            <a:normAutofit/>
-          </a:bodyPr>
-          <a:lstStyle/>
-          <a:p>
-            <a:pPr algn="just">
-              <a:buFontTx/>
-              <a:buChar char="-"/>
-            </a:pPr>
-            <a:r>
-              <a:rPr lang="es-ES" sz="3900" dirty="0"/>
-              <a:t>El</a:t>
-            </a:r>
-          </a:p>
-        </p:txBody>
-      </p:sp>
-    </p:spTree>
-    <p:extLst>
-      <p:ext uri="{BB962C8B-B14F-4D97-AF65-F5344CB8AC3E}">
-        <p14:creationId xmlns:p14="http://schemas.microsoft.com/office/powerpoint/2010/main" val="893595726"/>
-      </p:ext>
-    </p:extLst>
-  </p:cSld>
-  <p:clrMapOvr>
-    <a:masterClrMapping/>
-  </p:clrMapOvr>
-</p:sld>
-</file>
-
-<file path=ppt/slides/slide28.xml><?xml version="1.0" encoding="utf-8"?>
+<file path=ppt/slides/slide23.xml><?xml version="1.0" encoding="utf-8"?>
 <p:sld xmlns:a="http://schemas.openxmlformats.org/drawingml/2006/main" xmlns:r="http://schemas.openxmlformats.org/officeDocument/2006/relationships" xmlns:p="http://schemas.openxmlformats.org/presentationml/2006/main">
   <p:cSld>
     <p:spTree>
